--- a/Presentacion/The Legend of Link.pptx
+++ b/Presentacion/The Legend of Link.pptx
@@ -11,11 +11,14 @@
     <p:sldId id="263" r:id="rId5"/>
     <p:sldId id="264" r:id="rId6"/>
     <p:sldId id="265" r:id="rId7"/>
-    <p:sldId id="266" r:id="rId8"/>
-    <p:sldId id="267" r:id="rId9"/>
-    <p:sldId id="268" r:id="rId10"/>
-    <p:sldId id="269" r:id="rId11"/>
-    <p:sldId id="270" r:id="rId12"/>
+    <p:sldId id="271" r:id="rId8"/>
+    <p:sldId id="272" r:id="rId9"/>
+    <p:sldId id="273" r:id="rId10"/>
+    <p:sldId id="266" r:id="rId11"/>
+    <p:sldId id="267" r:id="rId12"/>
+    <p:sldId id="268" r:id="rId13"/>
+    <p:sldId id="269" r:id="rId14"/>
+    <p:sldId id="270" r:id="rId15"/>
   </p:sldIdLst>
   <p:sldSz cx="12192000" cy="6858000"/>
   <p:notesSz cx="6858000" cy="9144000"/>
@@ -120,10 +123,6 @@
     </p:ext>
   </p:extLst>
 </p:presentation>
-</file>
-
-<file path=ppt/revisionInfo.xml><?xml version="1.0" encoding="utf-8"?>
-<p1510:revInfo xmlns:a="http://schemas.openxmlformats.org/drawingml/2006/main" xmlns:r="http://schemas.openxmlformats.org/officeDocument/2006/relationships" xmlns:p1510="http://schemas.microsoft.com/office/powerpoint/2015/10/main"/>
 </file>
 
 <file path=ppt/slideLayouts/slideLayout1.xml><?xml version="1.0" encoding="utf-8"?>
@@ -6155,6 +6154,431 @@
           <a:p>
             <a:r>
               <a:rPr lang="es-ES" dirty="0"/>
+              <a:t>Objetos</a:t>
+            </a:r>
+          </a:p>
+        </p:txBody>
+      </p:sp>
+      <p:sp>
+        <p:nvSpPr>
+          <p:cNvPr id="6" name="Marcador de texto 5">
+            <a:extLst>
+              <a:ext uri="{FF2B5EF4-FFF2-40B4-BE49-F238E27FC236}">
+                <a16:creationId xmlns:a16="http://schemas.microsoft.com/office/drawing/2014/main" id="{B2A40A2C-ED3B-4B39-B08F-0CD6D67921D1}"/>
+              </a:ext>
+            </a:extLst>
+          </p:cNvPr>
+          <p:cNvSpPr>
+            <a:spLocks noGrp="1"/>
+          </p:cNvSpPr>
+          <p:nvPr>
+            <p:ph type="body" sz="half" idx="2"/>
+          </p:nvPr>
+        </p:nvSpPr>
+        <p:spPr>
+          <a:xfrm>
+            <a:off x="1154954" y="1946246"/>
+            <a:ext cx="8825659" cy="4073554"/>
+          </a:xfrm>
+        </p:spPr>
+        <p:txBody>
+          <a:bodyPr>
+            <a:normAutofit/>
+          </a:bodyPr>
+          <a:lstStyle/>
+          <a:p>
+            <a:pPr marL="285750" indent="-285750">
+              <a:buFont typeface="Arial" panose="020B0604020202020204" pitchFamily="34" charset="0"/>
+              <a:buChar char="•"/>
+            </a:pPr>
+            <a:r>
+              <a:rPr lang="es-ES" dirty="0"/>
+              <a:t>Propiedades</a:t>
+            </a:r>
+          </a:p>
+          <a:p>
+            <a:pPr marL="742950" lvl="1" indent="-285750">
+              <a:buFont typeface="Wingdings" panose="05000000000000000000" pitchFamily="2" charset="2"/>
+              <a:buChar char="Ø"/>
+            </a:pPr>
+            <a:r>
+              <a:rPr lang="es-ES" dirty="0" err="1"/>
+              <a:t>Chest</a:t>
+            </a:r>
+            <a:endParaRPr lang="es-ES" dirty="0"/>
+          </a:p>
+          <a:p>
+            <a:pPr marL="742950" lvl="1" indent="-285750">
+              <a:buFont typeface="Arial" panose="020B0604020202020204" pitchFamily="34" charset="0"/>
+              <a:buChar char="•"/>
+            </a:pPr>
+            <a:r>
+              <a:rPr lang="es-ES" dirty="0" err="1"/>
+              <a:t>Opening</a:t>
+            </a:r>
+            <a:endParaRPr lang="es-ES" dirty="0"/>
+          </a:p>
+          <a:p>
+            <a:pPr marL="742950" lvl="1" indent="-285750">
+              <a:buFont typeface="Arial" panose="020B0604020202020204" pitchFamily="34" charset="0"/>
+              <a:buChar char="•"/>
+            </a:pPr>
+            <a:r>
+              <a:rPr lang="es-ES" dirty="0"/>
+              <a:t>Open</a:t>
+            </a:r>
+          </a:p>
+          <a:p>
+            <a:pPr marL="742950" lvl="1" indent="-285750">
+              <a:buFont typeface="Wingdings" panose="05000000000000000000" pitchFamily="2" charset="2"/>
+              <a:buChar char="Ø"/>
+            </a:pPr>
+            <a:r>
+              <a:rPr lang="es-ES" dirty="0" err="1"/>
+              <a:t>Rupees</a:t>
+            </a:r>
+            <a:endParaRPr lang="es-ES" dirty="0"/>
+          </a:p>
+          <a:p>
+            <a:pPr marL="742950" lvl="1" indent="-285750">
+              <a:buFont typeface="Arial" panose="020B0604020202020204" pitchFamily="34" charset="0"/>
+              <a:buChar char="•"/>
+            </a:pPr>
+            <a:r>
+              <a:rPr lang="es-ES" dirty="0" err="1"/>
+              <a:t>Tween</a:t>
+            </a:r>
+            <a:endParaRPr lang="es-ES" dirty="0"/>
+          </a:p>
+          <a:p>
+            <a:pPr marL="285750" indent="-285750">
+              <a:buFont typeface="Arial" panose="020B0604020202020204" pitchFamily="34" charset="0"/>
+              <a:buChar char="•"/>
+            </a:pPr>
+            <a:r>
+              <a:rPr lang="es-ES" dirty="0"/>
+              <a:t>Funcionamiento</a:t>
+            </a:r>
+          </a:p>
+        </p:txBody>
+      </p:sp>
+    </p:spTree>
+    <p:extLst>
+      <p:ext uri="{BB962C8B-B14F-4D97-AF65-F5344CB8AC3E}">
+        <p14:creationId xmlns:p14="http://schemas.microsoft.com/office/powerpoint/2010/main" val="53611628"/>
+      </p:ext>
+    </p:extLst>
+  </p:cSld>
+  <p:clrMapOvr>
+    <a:masterClrMapping/>
+  </p:clrMapOvr>
+</p:sld>
+</file>
+
+<file path=ppt/slides/slide11.xml><?xml version="1.0" encoding="utf-8"?>
+<p:sld xmlns:a="http://schemas.openxmlformats.org/drawingml/2006/main" xmlns:r="http://schemas.openxmlformats.org/officeDocument/2006/relationships" xmlns:p="http://schemas.openxmlformats.org/presentationml/2006/main">
+  <p:cSld>
+    <p:spTree>
+      <p:nvGrpSpPr>
+        <p:cNvPr id="1" name=""/>
+        <p:cNvGrpSpPr/>
+        <p:nvPr/>
+      </p:nvGrpSpPr>
+      <p:grpSpPr>
+        <a:xfrm>
+          <a:off x="0" y="0"/>
+          <a:ext cx="0" cy="0"/>
+          <a:chOff x="0" y="0"/>
+          <a:chExt cx="0" cy="0"/>
+        </a:xfrm>
+      </p:grpSpPr>
+      <p:sp>
+        <p:nvSpPr>
+          <p:cNvPr id="2" name="Título 1">
+            <a:extLst>
+              <a:ext uri="{FF2B5EF4-FFF2-40B4-BE49-F238E27FC236}">
+                <a16:creationId xmlns:a16="http://schemas.microsoft.com/office/drawing/2014/main" id="{79A7075B-9A3B-4FCF-8218-1B9B6D1F75E9}"/>
+              </a:ext>
+            </a:extLst>
+          </p:cNvPr>
+          <p:cNvSpPr>
+            <a:spLocks noGrp="1"/>
+          </p:cNvSpPr>
+          <p:nvPr>
+            <p:ph type="title"/>
+          </p:nvPr>
+        </p:nvSpPr>
+        <p:spPr>
+          <a:xfrm>
+            <a:off x="1154954" y="348843"/>
+            <a:ext cx="8825659" cy="1981200"/>
+          </a:xfrm>
+        </p:spPr>
+        <p:txBody>
+          <a:bodyPr/>
+          <a:lstStyle/>
+          <a:p>
+            <a:r>
+              <a:rPr lang="es-ES" dirty="0" err="1"/>
+              <a:t>aiTrack</a:t>
+            </a:r>
+            <a:br>
+              <a:rPr lang="es-ES" dirty="0"/>
+            </a:br>
+            <a:endParaRPr lang="es-ES" dirty="0"/>
+          </a:p>
+        </p:txBody>
+      </p:sp>
+      <p:sp>
+        <p:nvSpPr>
+          <p:cNvPr id="6" name="Marcador de texto 5">
+            <a:extLst>
+              <a:ext uri="{FF2B5EF4-FFF2-40B4-BE49-F238E27FC236}">
+                <a16:creationId xmlns:a16="http://schemas.microsoft.com/office/drawing/2014/main" id="{B2A40A2C-ED3B-4B39-B08F-0CD6D67921D1}"/>
+              </a:ext>
+            </a:extLst>
+          </p:cNvPr>
+          <p:cNvSpPr>
+            <a:spLocks noGrp="1"/>
+          </p:cNvSpPr>
+          <p:nvPr>
+            <p:ph type="body" sz="half" idx="2"/>
+          </p:nvPr>
+        </p:nvSpPr>
+        <p:spPr>
+          <a:xfrm>
+            <a:off x="1154954" y="1946246"/>
+            <a:ext cx="8825659" cy="4073554"/>
+          </a:xfrm>
+        </p:spPr>
+        <p:txBody>
+          <a:bodyPr>
+            <a:normAutofit/>
+          </a:bodyPr>
+          <a:lstStyle/>
+          <a:p>
+            <a:pPr marL="285750" indent="-285750">
+              <a:buFont typeface="Arial" panose="020B0604020202020204" pitchFamily="34" charset="0"/>
+              <a:buChar char="•"/>
+            </a:pPr>
+            <a:endParaRPr lang="es-ES" dirty="0"/>
+          </a:p>
+        </p:txBody>
+      </p:sp>
+    </p:spTree>
+    <p:extLst>
+      <p:ext uri="{BB962C8B-B14F-4D97-AF65-F5344CB8AC3E}">
+        <p14:creationId xmlns:p14="http://schemas.microsoft.com/office/powerpoint/2010/main" val="3159092108"/>
+      </p:ext>
+    </p:extLst>
+  </p:cSld>
+  <p:clrMapOvr>
+    <a:masterClrMapping/>
+  </p:clrMapOvr>
+</p:sld>
+</file>
+
+<file path=ppt/slides/slide12.xml><?xml version="1.0" encoding="utf-8"?>
+<p:sld xmlns:a="http://schemas.openxmlformats.org/drawingml/2006/main" xmlns:r="http://schemas.openxmlformats.org/officeDocument/2006/relationships" xmlns:p="http://schemas.openxmlformats.org/presentationml/2006/main">
+  <p:cSld>
+    <p:spTree>
+      <p:nvGrpSpPr>
+        <p:cNvPr id="1" name=""/>
+        <p:cNvGrpSpPr/>
+        <p:nvPr/>
+      </p:nvGrpSpPr>
+      <p:grpSpPr>
+        <a:xfrm>
+          <a:off x="0" y="0"/>
+          <a:ext cx="0" cy="0"/>
+          <a:chOff x="0" y="0"/>
+          <a:chExt cx="0" cy="0"/>
+        </a:xfrm>
+      </p:grpSpPr>
+      <p:sp>
+        <p:nvSpPr>
+          <p:cNvPr id="2" name="Título 1">
+            <a:extLst>
+              <a:ext uri="{FF2B5EF4-FFF2-40B4-BE49-F238E27FC236}">
+                <a16:creationId xmlns:a16="http://schemas.microsoft.com/office/drawing/2014/main" id="{79A7075B-9A3B-4FCF-8218-1B9B6D1F75E9}"/>
+              </a:ext>
+            </a:extLst>
+          </p:cNvPr>
+          <p:cNvSpPr>
+            <a:spLocks noGrp="1"/>
+          </p:cNvSpPr>
+          <p:nvPr>
+            <p:ph type="title"/>
+          </p:nvPr>
+        </p:nvSpPr>
+        <p:spPr>
+          <a:xfrm>
+            <a:off x="1154954" y="348843"/>
+            <a:ext cx="8825659" cy="1981200"/>
+          </a:xfrm>
+        </p:spPr>
+        <p:txBody>
+          <a:bodyPr/>
+          <a:lstStyle/>
+          <a:p>
+            <a:r>
+              <a:rPr lang="es-ES" dirty="0" err="1"/>
+              <a:t>Puzzles</a:t>
+            </a:r>
+            <a:endParaRPr lang="es-ES" dirty="0"/>
+          </a:p>
+        </p:txBody>
+      </p:sp>
+      <p:sp>
+        <p:nvSpPr>
+          <p:cNvPr id="6" name="Marcador de texto 5">
+            <a:extLst>
+              <a:ext uri="{FF2B5EF4-FFF2-40B4-BE49-F238E27FC236}">
+                <a16:creationId xmlns:a16="http://schemas.microsoft.com/office/drawing/2014/main" id="{B2A40A2C-ED3B-4B39-B08F-0CD6D67921D1}"/>
+              </a:ext>
+            </a:extLst>
+          </p:cNvPr>
+          <p:cNvSpPr>
+            <a:spLocks noGrp="1"/>
+          </p:cNvSpPr>
+          <p:nvPr>
+            <p:ph type="body" sz="half" idx="2"/>
+          </p:nvPr>
+        </p:nvSpPr>
+        <p:spPr>
+          <a:xfrm>
+            <a:off x="1154954" y="1946246"/>
+            <a:ext cx="8825659" cy="4073554"/>
+          </a:xfrm>
+        </p:spPr>
+        <p:txBody>
+          <a:bodyPr>
+            <a:normAutofit/>
+          </a:bodyPr>
+          <a:lstStyle/>
+          <a:p>
+            <a:pPr marL="285750" indent="-285750">
+              <a:buFont typeface="Arial" panose="020B0604020202020204" pitchFamily="34" charset="0"/>
+              <a:buChar char="•"/>
+            </a:pPr>
+            <a:r>
+              <a:rPr lang="es-ES" dirty="0"/>
+              <a:t>Propiedades</a:t>
+            </a:r>
+          </a:p>
+          <a:p>
+            <a:pPr marL="742950" lvl="1" indent="-285750">
+              <a:buFont typeface="Arial" panose="020B0604020202020204" pitchFamily="34" charset="0"/>
+              <a:buChar char="•"/>
+            </a:pPr>
+            <a:r>
+              <a:rPr lang="es-ES" dirty="0"/>
+              <a:t>Sprite</a:t>
+            </a:r>
+          </a:p>
+          <a:p>
+            <a:pPr marL="742950" lvl="1" indent="-285750">
+              <a:buFont typeface="Arial" panose="020B0604020202020204" pitchFamily="34" charset="0"/>
+              <a:buChar char="•"/>
+            </a:pPr>
+            <a:r>
+              <a:rPr lang="es-ES" i="1" dirty="0" err="1"/>
+              <a:t>activated</a:t>
+            </a:r>
+            <a:endParaRPr lang="es-ES" i="1" dirty="0"/>
+          </a:p>
+          <a:p>
+            <a:pPr marL="742950" lvl="1" indent="-285750">
+              <a:buFont typeface="Arial" panose="020B0604020202020204" pitchFamily="34" charset="0"/>
+              <a:buChar char="•"/>
+            </a:pPr>
+            <a:r>
+              <a:rPr lang="es-ES" dirty="0" err="1"/>
+              <a:t>Stage</a:t>
+            </a:r>
+            <a:endParaRPr lang="es-ES" dirty="0"/>
+          </a:p>
+          <a:p>
+            <a:pPr marL="742950" lvl="1" indent="-285750">
+              <a:buFont typeface="Arial" panose="020B0604020202020204" pitchFamily="34" charset="0"/>
+              <a:buChar char="•"/>
+            </a:pPr>
+            <a:r>
+              <a:rPr lang="es-ES" i="1" dirty="0" err="1"/>
+              <a:t>label</a:t>
+            </a:r>
+            <a:endParaRPr lang="es-ES" i="1" dirty="0"/>
+          </a:p>
+          <a:p>
+            <a:pPr marL="285750" indent="-285750">
+              <a:buFont typeface="Arial" panose="020B0604020202020204" pitchFamily="34" charset="0"/>
+              <a:buChar char="•"/>
+            </a:pPr>
+            <a:r>
+              <a:rPr lang="es-ES" dirty="0"/>
+              <a:t>Funcionamiento</a:t>
+            </a:r>
+          </a:p>
+        </p:txBody>
+      </p:sp>
+    </p:spTree>
+    <p:extLst>
+      <p:ext uri="{BB962C8B-B14F-4D97-AF65-F5344CB8AC3E}">
+        <p14:creationId xmlns:p14="http://schemas.microsoft.com/office/powerpoint/2010/main" val="2250990106"/>
+      </p:ext>
+    </p:extLst>
+  </p:cSld>
+  <p:clrMapOvr>
+    <a:masterClrMapping/>
+  </p:clrMapOvr>
+</p:sld>
+</file>
+
+<file path=ppt/slides/slide13.xml><?xml version="1.0" encoding="utf-8"?>
+<p:sld xmlns:a="http://schemas.openxmlformats.org/drawingml/2006/main" xmlns:r="http://schemas.openxmlformats.org/officeDocument/2006/relationships" xmlns:p="http://schemas.openxmlformats.org/presentationml/2006/main">
+  <p:cSld>
+    <p:spTree>
+      <p:nvGrpSpPr>
+        <p:cNvPr id="1" name=""/>
+        <p:cNvGrpSpPr/>
+        <p:nvPr/>
+      </p:nvGrpSpPr>
+      <p:grpSpPr>
+        <a:xfrm>
+          <a:off x="0" y="0"/>
+          <a:ext cx="0" cy="0"/>
+          <a:chOff x="0" y="0"/>
+          <a:chExt cx="0" cy="0"/>
+        </a:xfrm>
+      </p:grpSpPr>
+      <p:sp>
+        <p:nvSpPr>
+          <p:cNvPr id="2" name="Título 1">
+            <a:extLst>
+              <a:ext uri="{FF2B5EF4-FFF2-40B4-BE49-F238E27FC236}">
+                <a16:creationId xmlns:a16="http://schemas.microsoft.com/office/drawing/2014/main" id="{79A7075B-9A3B-4FCF-8218-1B9B6D1F75E9}"/>
+              </a:ext>
+            </a:extLst>
+          </p:cNvPr>
+          <p:cNvSpPr>
+            <a:spLocks noGrp="1"/>
+          </p:cNvSpPr>
+          <p:nvPr>
+            <p:ph type="title"/>
+          </p:nvPr>
+        </p:nvSpPr>
+        <p:spPr>
+          <a:xfrm>
+            <a:off x="1154954" y="348843"/>
+            <a:ext cx="8825659" cy="1981200"/>
+          </a:xfrm>
+        </p:spPr>
+        <p:txBody>
+          <a:bodyPr/>
+          <a:lstStyle/>
+          <a:p>
+            <a:r>
+              <a:rPr lang="es-ES" dirty="0"/>
               <a:t>¿Qué nos ha ido bien?</a:t>
             </a:r>
           </a:p>
@@ -6222,7 +6646,7 @@
 </p:sld>
 </file>
 
-<file path=ppt/slides/slide11.xml><?xml version="1.0" encoding="utf-8"?>
+<file path=ppt/slides/slide14.xml><?xml version="1.0" encoding="utf-8"?>
 <p:sld xmlns:a="http://schemas.openxmlformats.org/drawingml/2006/main" xmlns:r="http://schemas.openxmlformats.org/officeDocument/2006/relationships" xmlns:p="http://schemas.openxmlformats.org/presentationml/2006/main">
   <p:cSld>
     <p:spTree>
@@ -7172,10 +7596,10 @@
       </p:grpSpPr>
       <p:sp>
         <p:nvSpPr>
-          <p:cNvPr id="2" name="Título 1">
+          <p:cNvPr id="4" name="Título 3">
             <a:extLst>
               <a:ext uri="{FF2B5EF4-FFF2-40B4-BE49-F238E27FC236}">
-                <a16:creationId xmlns:a16="http://schemas.microsoft.com/office/drawing/2014/main" id="{79A7075B-9A3B-4FCF-8218-1B9B6D1F75E9}"/>
+                <a16:creationId xmlns:a16="http://schemas.microsoft.com/office/drawing/2014/main" id="{15642513-9518-4AF6-942B-20B6BD6B38C2}"/>
               </a:ext>
             </a:extLst>
           </p:cNvPr>
@@ -7186,29 +7610,40 @@
             <p:ph type="title"/>
           </p:nvPr>
         </p:nvSpPr>
-        <p:spPr>
-          <a:xfrm>
-            <a:off x="1154954" y="348843"/>
-            <a:ext cx="8825659" cy="1981200"/>
-          </a:xfrm>
-        </p:spPr>
-        <p:txBody>
-          <a:bodyPr/>
+        <p:spPr/>
+        <p:txBody>
+          <a:bodyPr>
+            <a:normAutofit fontScale="90000"/>
+          </a:bodyPr>
           <a:lstStyle/>
           <a:p>
             <a:r>
               <a:rPr lang="es-ES" dirty="0"/>
-              <a:t>Objetos</a:t>
-            </a:r>
-          </a:p>
-        </p:txBody>
-      </p:sp>
-      <p:sp>
-        <p:nvSpPr>
-          <p:cNvPr id="6" name="Marcador de texto 5">
+              <a:t>Personajes</a:t>
+            </a:r>
+            <a:br>
+              <a:rPr lang="es-ES" dirty="0"/>
+            </a:br>
+            <a:r>
+              <a:rPr lang="es-ES" dirty="0"/>
+              <a:t>	</a:t>
+            </a:r>
+            <a:br>
+              <a:rPr lang="es-ES" dirty="0"/>
+            </a:br>
+            <a:br>
+              <a:rPr lang="es-ES" dirty="0"/>
+            </a:br>
+            <a:endParaRPr lang="es-ES" dirty="0"/>
+          </a:p>
+        </p:txBody>
+      </p:sp>
+      <p:sp>
+        <p:nvSpPr>
+          <p:cNvPr id="5" name="Marcador de contenido 4">
             <a:extLst>
               <a:ext uri="{FF2B5EF4-FFF2-40B4-BE49-F238E27FC236}">
-                <a16:creationId xmlns:a16="http://schemas.microsoft.com/office/drawing/2014/main" id="{B2A40A2C-ED3B-4B39-B08F-0CD6D67921D1}"/>
+                <a16:creationId xmlns:a16="http://schemas.microsoft.com/office/drawing/2014/main" id="{3CD90014-AEE0-4842-AEE9-77F46B25E888}"/>
               </a:ext>
             </a:extLst>
           </p:cNvPr>
@@ -7216,92 +7651,59 @@
             <a:spLocks noGrp="1"/>
           </p:cNvSpPr>
           <p:nvPr>
-            <p:ph type="body" sz="half" idx="2"/>
-          </p:nvPr>
-        </p:nvSpPr>
-        <p:spPr>
-          <a:xfrm>
-            <a:off x="1154954" y="1946246"/>
-            <a:ext cx="8825659" cy="4073554"/>
-          </a:xfrm>
-        </p:spPr>
-        <p:txBody>
-          <a:bodyPr>
-            <a:normAutofit/>
-          </a:bodyPr>
-          <a:lstStyle/>
-          <a:p>
-            <a:pPr marL="285750" indent="-285750">
-              <a:buFont typeface="Arial" panose="020B0604020202020204" pitchFamily="34" charset="0"/>
-              <a:buChar char="•"/>
-            </a:pPr>
+            <p:ph idx="1"/>
+          </p:nvPr>
+        </p:nvSpPr>
+        <p:spPr/>
+        <p:txBody>
+          <a:bodyPr/>
+          <a:lstStyle/>
+          <a:p>
             <a:r>
               <a:rPr lang="es-ES" dirty="0"/>
-              <a:t>Propiedades</a:t>
-            </a:r>
-          </a:p>
-          <a:p>
-            <a:pPr marL="742950" lvl="1" indent="-285750">
-              <a:buFont typeface="Wingdings" panose="05000000000000000000" pitchFamily="2" charset="2"/>
-              <a:buChar char="Ø"/>
-            </a:pPr>
-            <a:r>
-              <a:rPr lang="es-ES" dirty="0" err="1"/>
-              <a:t>Chest</a:t>
-            </a:r>
-            <a:endParaRPr lang="es-ES" dirty="0"/>
-          </a:p>
-          <a:p>
-            <a:pPr marL="742950" lvl="1" indent="-285750">
-              <a:buFont typeface="Arial" panose="020B0604020202020204" pitchFamily="34" charset="0"/>
-              <a:buChar char="•"/>
-            </a:pPr>
-            <a:r>
-              <a:rPr lang="es-ES" dirty="0" err="1"/>
-              <a:t>Opening</a:t>
-            </a:r>
-            <a:endParaRPr lang="es-ES" dirty="0"/>
-          </a:p>
-          <a:p>
-            <a:pPr marL="742950" lvl="1" indent="-285750">
-              <a:buFont typeface="Arial" panose="020B0604020202020204" pitchFamily="34" charset="0"/>
-              <a:buChar char="•"/>
-            </a:pPr>
+              <a:t>Personaje principal. </a:t>
+            </a:r>
+          </a:p>
+          <a:p>
+            <a:pPr lvl="1"/>
             <a:r>
               <a:rPr lang="es-ES" dirty="0"/>
-              <a:t>Open</a:t>
-            </a:r>
-          </a:p>
-          <a:p>
-            <a:pPr marL="742950" lvl="1" indent="-285750">
-              <a:buFont typeface="Wingdings" panose="05000000000000000000" pitchFamily="2" charset="2"/>
-              <a:buChar char="Ø"/>
-            </a:pPr>
-            <a:r>
-              <a:rPr lang="es-ES" dirty="0" err="1"/>
-              <a:t>Rupees</a:t>
-            </a:r>
-            <a:endParaRPr lang="es-ES" dirty="0"/>
-          </a:p>
-          <a:p>
-            <a:pPr marL="742950" lvl="1" indent="-285750">
-              <a:buFont typeface="Arial" panose="020B0604020202020204" pitchFamily="34" charset="0"/>
-              <a:buChar char="•"/>
-            </a:pPr>
-            <a:r>
-              <a:rPr lang="es-ES" dirty="0" err="1"/>
-              <a:t>Tween</a:t>
-            </a:r>
-            <a:endParaRPr lang="es-ES" dirty="0"/>
-          </a:p>
-          <a:p>
-            <a:pPr marL="285750" indent="-285750">
-              <a:buFont typeface="Arial" panose="020B0604020202020204" pitchFamily="34" charset="0"/>
-              <a:buChar char="•"/>
-            </a:pPr>
+              <a:t>Link morado en lugar de Zelda.</a:t>
+            </a:r>
+          </a:p>
+          <a:p>
+            <a:pPr lvl="1"/>
             <a:r>
               <a:rPr lang="es-ES" dirty="0"/>
-              <a:t>Funcionamiento</a:t>
+              <a:t>Mecánicas:</a:t>
+            </a:r>
+          </a:p>
+          <a:p>
+            <a:pPr lvl="2"/>
+            <a:r>
+              <a:rPr lang="es-ES" dirty="0"/>
+              <a:t>Interactuar con objetos.</a:t>
+            </a:r>
+          </a:p>
+          <a:p>
+            <a:pPr lvl="2"/>
+            <a:r>
+              <a:rPr lang="es-ES" dirty="0"/>
+              <a:t>Atacar enemigos.</a:t>
+            </a:r>
+          </a:p>
+          <a:p>
+            <a:pPr lvl="2"/>
+            <a:r>
+              <a:rPr lang="es-ES" dirty="0"/>
+              <a:t>Recibir daño.</a:t>
+            </a:r>
+          </a:p>
+          <a:p>
+            <a:pPr lvl="2"/>
+            <a:r>
+              <a:rPr lang="es-ES" dirty="0"/>
+              <a:t>Movimiento. </a:t>
             </a:r>
           </a:p>
         </p:txBody>
@@ -7309,7 +7711,7 @@
     </p:spTree>
     <p:extLst>
       <p:ext uri="{BB962C8B-B14F-4D97-AF65-F5344CB8AC3E}">
-        <p14:creationId xmlns:p14="http://schemas.microsoft.com/office/powerpoint/2010/main" val="53611628"/>
+        <p14:creationId xmlns:p14="http://schemas.microsoft.com/office/powerpoint/2010/main" val="2912074910"/>
       </p:ext>
     </p:extLst>
   </p:cSld>
@@ -7341,7 +7743,7 @@
           <p:cNvPr id="2" name="Título 1">
             <a:extLst>
               <a:ext uri="{FF2B5EF4-FFF2-40B4-BE49-F238E27FC236}">
-                <a16:creationId xmlns:a16="http://schemas.microsoft.com/office/drawing/2014/main" id="{79A7075B-9A3B-4FCF-8218-1B9B6D1F75E9}"/>
+                <a16:creationId xmlns:a16="http://schemas.microsoft.com/office/drawing/2014/main" id="{584490D3-8D1C-4C6F-B2F4-4388559912FE}"/>
               </a:ext>
             </a:extLst>
           </p:cNvPr>
@@ -7352,33 +7754,24 @@
             <p:ph type="title"/>
           </p:nvPr>
         </p:nvSpPr>
-        <p:spPr>
-          <a:xfrm>
-            <a:off x="1154954" y="348843"/>
-            <a:ext cx="8825659" cy="1981200"/>
-          </a:xfrm>
-        </p:spPr>
+        <p:spPr/>
         <p:txBody>
           <a:bodyPr/>
           <a:lstStyle/>
           <a:p>
             <a:r>
-              <a:rPr lang="es-ES" dirty="0" err="1"/>
-              <a:t>aiTrack</a:t>
-            </a:r>
-            <a:br>
               <a:rPr lang="es-ES" dirty="0"/>
-            </a:br>
-            <a:endParaRPr lang="es-ES" dirty="0"/>
-          </a:p>
-        </p:txBody>
-      </p:sp>
-      <p:sp>
-        <p:nvSpPr>
-          <p:cNvPr id="6" name="Marcador de texto 5">
+              <a:t>Personajes	</a:t>
+            </a:r>
+          </a:p>
+        </p:txBody>
+      </p:sp>
+      <p:sp>
+        <p:nvSpPr>
+          <p:cNvPr id="3" name="Marcador de contenido 2">
             <a:extLst>
               <a:ext uri="{FF2B5EF4-FFF2-40B4-BE49-F238E27FC236}">
-                <a16:creationId xmlns:a16="http://schemas.microsoft.com/office/drawing/2014/main" id="{B2A40A2C-ED3B-4B39-B08F-0CD6D67921D1}"/>
+                <a16:creationId xmlns:a16="http://schemas.microsoft.com/office/drawing/2014/main" id="{B2B9B3F4-1991-414C-80AA-5383F659801A}"/>
               </a:ext>
             </a:extLst>
           </p:cNvPr>
@@ -7386,33 +7779,54 @@
             <a:spLocks noGrp="1"/>
           </p:cNvSpPr>
           <p:nvPr>
-            <p:ph type="body" sz="half" idx="2"/>
-          </p:nvPr>
-        </p:nvSpPr>
-        <p:spPr>
-          <a:xfrm>
-            <a:off x="1154954" y="1946246"/>
-            <a:ext cx="8825659" cy="4073554"/>
-          </a:xfrm>
-        </p:spPr>
-        <p:txBody>
-          <a:bodyPr>
-            <a:normAutofit/>
-          </a:bodyPr>
-          <a:lstStyle/>
-          <a:p>
-            <a:pPr marL="285750" indent="-285750">
-              <a:buFont typeface="Arial" panose="020B0604020202020204" pitchFamily="34" charset="0"/>
-              <a:buChar char="•"/>
-            </a:pPr>
+            <p:ph idx="1"/>
+          </p:nvPr>
+        </p:nvSpPr>
+        <p:spPr/>
+        <p:txBody>
+          <a:bodyPr/>
+          <a:lstStyle/>
+          <a:p>
+            <a:r>
+              <a:rPr lang="es-ES" dirty="0"/>
+              <a:t>Enemigos</a:t>
+            </a:r>
+          </a:p>
+          <a:p>
+            <a:pPr lvl="1"/>
+            <a:r>
+              <a:rPr lang="es-ES" dirty="0" err="1"/>
+              <a:t>Darknut</a:t>
+            </a:r>
             <a:endParaRPr lang="es-ES" dirty="0"/>
+          </a:p>
+          <a:p>
+            <a:pPr lvl="2"/>
+            <a:r>
+              <a:rPr lang="es-ES" dirty="0"/>
+              <a:t>Persigue al jugador.</a:t>
+            </a:r>
+          </a:p>
+          <a:p>
+            <a:pPr lvl="2"/>
+            <a:r>
+              <a:rPr lang="es-ES" dirty="0"/>
+              <a:t>Ataca.</a:t>
+            </a:r>
+          </a:p>
+          <a:p>
+            <a:pPr lvl="2"/>
+            <a:r>
+              <a:rPr lang="es-ES" dirty="0"/>
+              <a:t>Recibe daño.</a:t>
+            </a:r>
           </a:p>
         </p:txBody>
       </p:sp>
     </p:spTree>
     <p:extLst>
       <p:ext uri="{BB962C8B-B14F-4D97-AF65-F5344CB8AC3E}">
-        <p14:creationId xmlns:p14="http://schemas.microsoft.com/office/powerpoint/2010/main" val="3159092108"/>
+        <p14:creationId xmlns:p14="http://schemas.microsoft.com/office/powerpoint/2010/main" val="1437104409"/>
       </p:ext>
     </p:extLst>
   </p:cSld>
@@ -7444,7 +7858,7 @@
           <p:cNvPr id="2" name="Título 1">
             <a:extLst>
               <a:ext uri="{FF2B5EF4-FFF2-40B4-BE49-F238E27FC236}">
-                <a16:creationId xmlns:a16="http://schemas.microsoft.com/office/drawing/2014/main" id="{79A7075B-9A3B-4FCF-8218-1B9B6D1F75E9}"/>
+                <a16:creationId xmlns:a16="http://schemas.microsoft.com/office/drawing/2014/main" id="{5DB9D59D-4162-492E-80B3-B0BF819FA569}"/>
               </a:ext>
             </a:extLst>
           </p:cNvPr>
@@ -7455,30 +7869,24 @@
             <p:ph type="title"/>
           </p:nvPr>
         </p:nvSpPr>
-        <p:spPr>
-          <a:xfrm>
-            <a:off x="1154954" y="348843"/>
-            <a:ext cx="8825659" cy="1981200"/>
-          </a:xfrm>
-        </p:spPr>
+        <p:spPr/>
         <p:txBody>
           <a:bodyPr/>
           <a:lstStyle/>
           <a:p>
             <a:r>
-              <a:rPr lang="es-ES" dirty="0" err="1"/>
-              <a:t>Puzzles</a:t>
-            </a:r>
-            <a:endParaRPr lang="es-ES" dirty="0"/>
-          </a:p>
-        </p:txBody>
-      </p:sp>
-      <p:sp>
-        <p:nvSpPr>
-          <p:cNvPr id="6" name="Marcador de texto 5">
+              <a:rPr lang="es-ES" dirty="0"/>
+              <a:t>Objetos	</a:t>
+            </a:r>
+          </a:p>
+        </p:txBody>
+      </p:sp>
+      <p:sp>
+        <p:nvSpPr>
+          <p:cNvPr id="3" name="Marcador de contenido 2">
             <a:extLst>
               <a:ext uri="{FF2B5EF4-FFF2-40B4-BE49-F238E27FC236}">
-                <a16:creationId xmlns:a16="http://schemas.microsoft.com/office/drawing/2014/main" id="{B2A40A2C-ED3B-4B39-B08F-0CD6D67921D1}"/>
+                <a16:creationId xmlns:a16="http://schemas.microsoft.com/office/drawing/2014/main" id="{5CADDB86-9F2F-4515-AB18-C24F2A9142D7}"/>
               </a:ext>
             </a:extLst>
           </p:cNvPr>
@@ -7486,81 +7894,63 @@
             <a:spLocks noGrp="1"/>
           </p:cNvSpPr>
           <p:nvPr>
-            <p:ph type="body" sz="half" idx="2"/>
-          </p:nvPr>
-        </p:nvSpPr>
-        <p:spPr>
-          <a:xfrm>
-            <a:off x="1154954" y="1946246"/>
-            <a:ext cx="8825659" cy="4073554"/>
-          </a:xfrm>
-        </p:spPr>
-        <p:txBody>
-          <a:bodyPr>
-            <a:normAutofit/>
-          </a:bodyPr>
-          <a:lstStyle/>
-          <a:p>
-            <a:pPr marL="285750" indent="-285750">
-              <a:buFont typeface="Arial" panose="020B0604020202020204" pitchFamily="34" charset="0"/>
-              <a:buChar char="•"/>
-            </a:pPr>
+            <p:ph idx="1"/>
+          </p:nvPr>
+        </p:nvSpPr>
+        <p:spPr/>
+        <p:txBody>
+          <a:bodyPr/>
+          <a:lstStyle/>
+          <a:p>
             <a:r>
               <a:rPr lang="es-ES" dirty="0"/>
-              <a:t>Propiedades</a:t>
-            </a:r>
-          </a:p>
-          <a:p>
-            <a:pPr marL="742950" lvl="1" indent="-285750">
-              <a:buFont typeface="Arial" panose="020B0604020202020204" pitchFamily="34" charset="0"/>
-              <a:buChar char="•"/>
-            </a:pPr>
+              <a:t>Cofres</a:t>
+            </a:r>
+          </a:p>
+          <a:p>
+            <a:pPr lvl="1"/>
             <a:r>
               <a:rPr lang="es-ES" dirty="0"/>
-              <a:t>Sprite</a:t>
-            </a:r>
-          </a:p>
-          <a:p>
-            <a:pPr marL="742950" lvl="1" indent="-285750">
-              <a:buFont typeface="Arial" panose="020B0604020202020204" pitchFamily="34" charset="0"/>
-              <a:buChar char="•"/>
-            </a:pPr>
-            <a:r>
-              <a:rPr lang="es-ES" i="1" dirty="0" err="1"/>
-              <a:t>activated</a:t>
-            </a:r>
-            <a:endParaRPr lang="es-ES" i="1" dirty="0"/>
-          </a:p>
-          <a:p>
-            <a:pPr marL="742950" lvl="1" indent="-285750">
-              <a:buFont typeface="Arial" panose="020B0604020202020204" pitchFamily="34" charset="0"/>
-              <a:buChar char="•"/>
-            </a:pPr>
+              <a:t>Contienen una rupia.</a:t>
+            </a:r>
+          </a:p>
+          <a:p>
+            <a:pPr lvl="1"/>
+            <a:r>
+              <a:rPr lang="es-ES" dirty="0"/>
+              <a:t>Se abren cuando el jugador interactúa con ellos estando al lado.</a:t>
+            </a:r>
+          </a:p>
+          <a:p>
+            <a:pPr lvl="1"/>
+            <a:endParaRPr lang="es-ES" dirty="0"/>
+          </a:p>
+          <a:p>
+            <a:r>
+              <a:rPr lang="es-ES" dirty="0"/>
+              <a:t>Rupias</a:t>
+            </a:r>
+          </a:p>
+          <a:p>
+            <a:pPr lvl="1"/>
+            <a:r>
+              <a:rPr lang="es-ES" dirty="0"/>
+              <a:t>Aparecen al abrir un cofre.</a:t>
+            </a:r>
+          </a:p>
+          <a:p>
+            <a:pPr lvl="1"/>
+            <a:r>
+              <a:rPr lang="es-ES" dirty="0"/>
+              <a:t>Están animadas con </a:t>
+            </a:r>
             <a:r>
               <a:rPr lang="es-ES" dirty="0" err="1"/>
-              <a:t>Stage</a:t>
-            </a:r>
-            <a:endParaRPr lang="es-ES" dirty="0"/>
-          </a:p>
-          <a:p>
-            <a:pPr marL="742950" lvl="1" indent="-285750">
-              <a:buFont typeface="Arial" panose="020B0604020202020204" pitchFamily="34" charset="0"/>
-              <a:buChar char="•"/>
-            </a:pPr>
-            <a:r>
-              <a:rPr lang="es-ES" i="1" dirty="0" err="1"/>
-              <a:t>label</a:t>
-            </a:r>
-            <a:endParaRPr lang="es-ES" i="1" dirty="0"/>
-          </a:p>
-          <a:p>
-            <a:pPr marL="285750" indent="-285750">
-              <a:buFont typeface="Arial" panose="020B0604020202020204" pitchFamily="34" charset="0"/>
-              <a:buChar char="•"/>
-            </a:pPr>
+              <a:t>tween</a:t>
+            </a:r>
             <a:r>
               <a:rPr lang="es-ES" dirty="0"/>
-              <a:t>Funcionamiento</a:t>
+              <a:t>.</a:t>
             </a:r>
           </a:p>
         </p:txBody>
@@ -7568,7 +7958,7 @@
     </p:spTree>
     <p:extLst>
       <p:ext uri="{BB962C8B-B14F-4D97-AF65-F5344CB8AC3E}">
-        <p14:creationId xmlns:p14="http://schemas.microsoft.com/office/powerpoint/2010/main" val="2250990106"/>
+        <p14:creationId xmlns:p14="http://schemas.microsoft.com/office/powerpoint/2010/main" val="3407817349"/>
       </p:ext>
     </p:extLst>
   </p:cSld>

--- a/Presentacion/The Legend of Link.pptx
+++ b/Presentacion/The Legend of Link.pptx
@@ -9,16 +9,14 @@
     <p:sldId id="257" r:id="rId3"/>
     <p:sldId id="261" r:id="rId4"/>
     <p:sldId id="263" r:id="rId5"/>
-    <p:sldId id="264" r:id="rId6"/>
-    <p:sldId id="265" r:id="rId7"/>
-    <p:sldId id="271" r:id="rId8"/>
-    <p:sldId id="272" r:id="rId9"/>
-    <p:sldId id="273" r:id="rId10"/>
-    <p:sldId id="266" r:id="rId11"/>
-    <p:sldId id="267" r:id="rId12"/>
-    <p:sldId id="268" r:id="rId13"/>
-    <p:sldId id="269" r:id="rId14"/>
-    <p:sldId id="270" r:id="rId15"/>
+    <p:sldId id="271" r:id="rId6"/>
+    <p:sldId id="272" r:id="rId7"/>
+    <p:sldId id="273" r:id="rId8"/>
+    <p:sldId id="267" r:id="rId9"/>
+    <p:sldId id="268" r:id="rId10"/>
+    <p:sldId id="269" r:id="rId11"/>
+    <p:sldId id="270" r:id="rId12"/>
+    <p:sldId id="274" r:id="rId13"/>
   </p:sldIdLst>
   <p:sldSz cx="12192000" cy="6858000"/>
   <p:notesSz cx="6858000" cy="9144000"/>
@@ -119,7 +117,7 @@
   </p:defaultTextStyle>
   <p:extLst>
     <p:ext uri="{EFAFB233-063F-42B5-8137-9DF3F51BA10A}">
-      <p15:sldGuideLst xmlns:p15="http://schemas.microsoft.com/office/powerpoint/2012/main"/>
+      <p15:sldGuideLst xmlns:p15="http://schemas.microsoft.com/office/powerpoint/2012/main" xmlns=""/>
     </p:ext>
   </p:extLst>
 </p:presentation>
@@ -6020,7 +6018,7 @@
           <p:cNvPr id="2" name="Título 1">
             <a:extLst>
               <a:ext uri="{FF2B5EF4-FFF2-40B4-BE49-F238E27FC236}">
-                <a16:creationId xmlns:a16="http://schemas.microsoft.com/office/drawing/2014/main" id="{ED11EC84-4B54-49E4-AD21-69A6F3AEF247}"/>
+                <a16:creationId xmlns:a16="http://schemas.microsoft.com/office/drawing/2014/main" xmlns="" id="{ED11EC84-4B54-49E4-AD21-69A6F3AEF247}"/>
               </a:ext>
             </a:extLst>
           </p:cNvPr>
@@ -6068,7 +6066,7 @@
           <p:cNvPr id="3" name="Subtítulo 2">
             <a:extLst>
               <a:ext uri="{FF2B5EF4-FFF2-40B4-BE49-F238E27FC236}">
-                <a16:creationId xmlns:a16="http://schemas.microsoft.com/office/drawing/2014/main" id="{5E06E78A-6DF7-4F35-B4A4-4CFFDBE3B19C}"/>
+                <a16:creationId xmlns:a16="http://schemas.microsoft.com/office/drawing/2014/main" xmlns="" id="{5E06E78A-6DF7-4F35-B4A4-4CFFDBE3B19C}"/>
               </a:ext>
             </a:extLst>
           </p:cNvPr>
@@ -6131,7 +6129,7 @@
           <p:cNvPr id="2" name="Título 1">
             <a:extLst>
               <a:ext uri="{FF2B5EF4-FFF2-40B4-BE49-F238E27FC236}">
-                <a16:creationId xmlns:a16="http://schemas.microsoft.com/office/drawing/2014/main" id="{79A7075B-9A3B-4FCF-8218-1B9B6D1F75E9}"/>
+                <a16:creationId xmlns:a16="http://schemas.microsoft.com/office/drawing/2014/main" xmlns="" id="{79A7075B-9A3B-4FCF-8218-1B9B6D1F75E9}"/>
               </a:ext>
             </a:extLst>
           </p:cNvPr>
@@ -6153,8 +6151,8 @@
           <a:lstStyle/>
           <a:p>
             <a:r>
-              <a:rPr lang="es-ES" dirty="0"/>
-              <a:t>Objetos</a:t>
+              <a:rPr lang="es-ES" sz="4200" dirty="0"/>
+              <a:t>¿Qué nos ha ido bien?</a:t>
             </a:r>
           </a:p>
         </p:txBody>
@@ -6164,7 +6162,7 @@
           <p:cNvPr id="6" name="Marcador de texto 5">
             <a:extLst>
               <a:ext uri="{FF2B5EF4-FFF2-40B4-BE49-F238E27FC236}">
-                <a16:creationId xmlns:a16="http://schemas.microsoft.com/office/drawing/2014/main" id="{B2A40A2C-ED3B-4B39-B08F-0CD6D67921D1}"/>
+                <a16:creationId xmlns:a16="http://schemas.microsoft.com/office/drawing/2014/main" xmlns="" id="{B2A40A2C-ED3B-4B39-B08F-0CD6D67921D1}"/>
               </a:ext>
             </a:extLst>
           </p:cNvPr>
@@ -6192,63 +6190,9 @@
               <a:buChar char="•"/>
             </a:pPr>
             <a:r>
-              <a:rPr lang="es-ES" dirty="0"/>
-              <a:t>Propiedades</a:t>
-            </a:r>
-          </a:p>
-          <a:p>
-            <a:pPr marL="742950" lvl="1" indent="-285750">
-              <a:buFont typeface="Wingdings" panose="05000000000000000000" pitchFamily="2" charset="2"/>
-              <a:buChar char="Ø"/>
-            </a:pPr>
-            <a:r>
-              <a:rPr lang="es-ES" dirty="0" err="1"/>
-              <a:t>Chest</a:t>
-            </a:r>
-            <a:endParaRPr lang="es-ES" dirty="0"/>
-          </a:p>
-          <a:p>
-            <a:pPr marL="742950" lvl="1" indent="-285750">
-              <a:buFont typeface="Arial" panose="020B0604020202020204" pitchFamily="34" charset="0"/>
-              <a:buChar char="•"/>
-            </a:pPr>
-            <a:r>
-              <a:rPr lang="es-ES" dirty="0" err="1"/>
-              <a:t>Opening</a:t>
-            </a:r>
-            <a:endParaRPr lang="es-ES" dirty="0"/>
-          </a:p>
-          <a:p>
-            <a:pPr marL="742950" lvl="1" indent="-285750">
-              <a:buFont typeface="Arial" panose="020B0604020202020204" pitchFamily="34" charset="0"/>
-              <a:buChar char="•"/>
-            </a:pPr>
-            <a:r>
-              <a:rPr lang="es-ES" dirty="0"/>
-              <a:t>Open</a:t>
-            </a:r>
-          </a:p>
-          <a:p>
-            <a:pPr marL="742950" lvl="1" indent="-285750">
-              <a:buFont typeface="Wingdings" panose="05000000000000000000" pitchFamily="2" charset="2"/>
-              <a:buChar char="Ø"/>
-            </a:pPr>
-            <a:r>
-              <a:rPr lang="es-ES" dirty="0" err="1"/>
-              <a:t>Rupees</a:t>
-            </a:r>
-            <a:endParaRPr lang="es-ES" dirty="0"/>
-          </a:p>
-          <a:p>
-            <a:pPr marL="742950" lvl="1" indent="-285750">
-              <a:buFont typeface="Arial" panose="020B0604020202020204" pitchFamily="34" charset="0"/>
-              <a:buChar char="•"/>
-            </a:pPr>
-            <a:r>
-              <a:rPr lang="es-ES" dirty="0" err="1"/>
-              <a:t>Tween</a:t>
-            </a:r>
-            <a:endParaRPr lang="es-ES" dirty="0"/>
+              <a:rPr lang="es-ES" sz="2800" dirty="0"/>
+              <a:t>Idea muy clara desde el principio</a:t>
+            </a:r>
           </a:p>
           <a:p>
             <a:pPr marL="285750" indent="-285750">
@@ -6256,8 +6200,8 @@
               <a:buChar char="•"/>
             </a:pPr>
             <a:r>
-              <a:rPr lang="es-ES" dirty="0"/>
-              <a:t>Funcionamiento</a:t>
+              <a:rPr lang="es-ES" sz="2800" dirty="0"/>
+              <a:t>Tareas bien repartidas y trabajo simultáneo</a:t>
             </a:r>
           </a:p>
         </p:txBody>
@@ -6265,7 +6209,7 @@
     </p:spTree>
     <p:extLst>
       <p:ext uri="{BB962C8B-B14F-4D97-AF65-F5344CB8AC3E}">
-        <p14:creationId xmlns:p14="http://schemas.microsoft.com/office/powerpoint/2010/main" val="53611628"/>
+        <p14:creationId xmlns:p14="http://schemas.microsoft.com/office/powerpoint/2010/main" val="583208318"/>
       </p:ext>
     </p:extLst>
   </p:cSld>
@@ -6297,7 +6241,7 @@
           <p:cNvPr id="2" name="Título 1">
             <a:extLst>
               <a:ext uri="{FF2B5EF4-FFF2-40B4-BE49-F238E27FC236}">
-                <a16:creationId xmlns:a16="http://schemas.microsoft.com/office/drawing/2014/main" id="{79A7075B-9A3B-4FCF-8218-1B9B6D1F75E9}"/>
+                <a16:creationId xmlns:a16="http://schemas.microsoft.com/office/drawing/2014/main" xmlns="" id="{79A7075B-9A3B-4FCF-8218-1B9B6D1F75E9}"/>
               </a:ext>
             </a:extLst>
           </p:cNvPr>
@@ -6319,13 +6263,9 @@
           <a:lstStyle/>
           <a:p>
             <a:r>
-              <a:rPr lang="es-ES" dirty="0" err="1"/>
-              <a:t>aiTrack</a:t>
-            </a:r>
-            <a:br>
-              <a:rPr lang="es-ES" dirty="0"/>
-            </a:br>
-            <a:endParaRPr lang="es-ES" dirty="0"/>
+              <a:rPr lang="es-ES" sz="4200" dirty="0"/>
+              <a:t>¿Qué nos ha ido mal o se podría mejorar?</a:t>
+            </a:r>
           </a:p>
         </p:txBody>
       </p:sp>
@@ -6334,7 +6274,7 @@
           <p:cNvPr id="6" name="Marcador de texto 5">
             <a:extLst>
               <a:ext uri="{FF2B5EF4-FFF2-40B4-BE49-F238E27FC236}">
-                <a16:creationId xmlns:a16="http://schemas.microsoft.com/office/drawing/2014/main" id="{B2A40A2C-ED3B-4B39-B08F-0CD6D67921D1}"/>
+                <a16:creationId xmlns:a16="http://schemas.microsoft.com/office/drawing/2014/main" xmlns="" id="{B2A40A2C-ED3B-4B39-B08F-0CD6D67921D1}"/>
               </a:ext>
             </a:extLst>
           </p:cNvPr>
@@ -6361,14 +6301,42 @@
               <a:buFont typeface="Arial" panose="020B0604020202020204" pitchFamily="34" charset="0"/>
               <a:buChar char="•"/>
             </a:pPr>
-            <a:endParaRPr lang="es-ES" dirty="0"/>
+            <a:r>
+              <a:rPr lang="es-ES" sz="2800" dirty="0"/>
+              <a:t>Complicaciones con </a:t>
+            </a:r>
+            <a:r>
+              <a:rPr lang="es-ES" sz="2800" dirty="0" err="1"/>
+              <a:t>Tiled</a:t>
+            </a:r>
+            <a:endParaRPr lang="es-ES" sz="2800" dirty="0"/>
+          </a:p>
+          <a:p>
+            <a:pPr marL="285750" indent="-285750">
+              <a:buFont typeface="Arial" panose="020B0604020202020204" pitchFamily="34" charset="0"/>
+              <a:buChar char="•"/>
+            </a:pPr>
+            <a:r>
+              <a:rPr lang="es-ES" sz="2800" dirty="0"/>
+              <a:t>Implementación del cambio de habitación</a:t>
+            </a:r>
+          </a:p>
+          <a:p>
+            <a:pPr marL="285750" indent="-285750">
+              <a:buFont typeface="Arial" panose="020B0604020202020204" pitchFamily="34" charset="0"/>
+              <a:buChar char="•"/>
+            </a:pPr>
+            <a:r>
+              <a:rPr lang="es-ES" sz="2800" dirty="0"/>
+              <a:t>Proyecto demasiado ambicioso</a:t>
+            </a:r>
           </a:p>
         </p:txBody>
       </p:sp>
     </p:spTree>
     <p:extLst>
       <p:ext uri="{BB962C8B-B14F-4D97-AF65-F5344CB8AC3E}">
-        <p14:creationId xmlns:p14="http://schemas.microsoft.com/office/powerpoint/2010/main" val="3159092108"/>
+        <p14:creationId xmlns:p14="http://schemas.microsoft.com/office/powerpoint/2010/main" val="1975805027"/>
       </p:ext>
     </p:extLst>
   </p:cSld>
@@ -6397,373 +6365,32 @@
       </p:grpSpPr>
       <p:sp>
         <p:nvSpPr>
-          <p:cNvPr id="2" name="Título 1">
-            <a:extLst>
-              <a:ext uri="{FF2B5EF4-FFF2-40B4-BE49-F238E27FC236}">
-                <a16:creationId xmlns:a16="http://schemas.microsoft.com/office/drawing/2014/main" id="{79A7075B-9A3B-4FCF-8218-1B9B6D1F75E9}"/>
-              </a:ext>
-            </a:extLst>
-          </p:cNvPr>
-          <p:cNvSpPr>
-            <a:spLocks noGrp="1"/>
-          </p:cNvSpPr>
-          <p:nvPr>
-            <p:ph type="title"/>
-          </p:nvPr>
-        </p:nvSpPr>
-        <p:spPr>
-          <a:xfrm>
-            <a:off x="1154954" y="348843"/>
-            <a:ext cx="8825659" cy="1981200"/>
-          </a:xfrm>
-        </p:spPr>
+          <p:cNvPr id="2" name="1 Título"/>
+          <p:cNvSpPr>
+            <a:spLocks noGrp="1"/>
+          </p:cNvSpPr>
+          <p:nvPr>
+            <p:ph type="ctrTitle"/>
+          </p:nvPr>
+        </p:nvSpPr>
+        <p:spPr/>
         <p:txBody>
           <a:bodyPr/>
           <a:lstStyle/>
           <a:p>
-            <a:r>
-              <a:rPr lang="es-ES" dirty="0" err="1"/>
-              <a:t>Puzzles</a:t>
+            <a:pPr algn="ctr"/>
+            <a:r>
+              <a:rPr lang="es-ES" sz="19900" dirty="0" smtClean="0"/>
+              <a:t>FIN</a:t>
             </a:r>
             <a:endParaRPr lang="es-ES" dirty="0"/>
-          </a:p>
-        </p:txBody>
-      </p:sp>
-      <p:sp>
-        <p:nvSpPr>
-          <p:cNvPr id="6" name="Marcador de texto 5">
-            <a:extLst>
-              <a:ext uri="{FF2B5EF4-FFF2-40B4-BE49-F238E27FC236}">
-                <a16:creationId xmlns:a16="http://schemas.microsoft.com/office/drawing/2014/main" id="{B2A40A2C-ED3B-4B39-B08F-0CD6D67921D1}"/>
-              </a:ext>
-            </a:extLst>
-          </p:cNvPr>
-          <p:cNvSpPr>
-            <a:spLocks noGrp="1"/>
-          </p:cNvSpPr>
-          <p:nvPr>
-            <p:ph type="body" sz="half" idx="2"/>
-          </p:nvPr>
-        </p:nvSpPr>
-        <p:spPr>
-          <a:xfrm>
-            <a:off x="1154954" y="1946246"/>
-            <a:ext cx="8825659" cy="4073554"/>
-          </a:xfrm>
-        </p:spPr>
-        <p:txBody>
-          <a:bodyPr>
-            <a:normAutofit/>
-          </a:bodyPr>
-          <a:lstStyle/>
-          <a:p>
-            <a:pPr marL="285750" indent="-285750">
-              <a:buFont typeface="Arial" panose="020B0604020202020204" pitchFamily="34" charset="0"/>
-              <a:buChar char="•"/>
-            </a:pPr>
-            <a:r>
-              <a:rPr lang="es-ES" dirty="0"/>
-              <a:t>Propiedades</a:t>
-            </a:r>
-          </a:p>
-          <a:p>
-            <a:pPr marL="742950" lvl="1" indent="-285750">
-              <a:buFont typeface="Arial" panose="020B0604020202020204" pitchFamily="34" charset="0"/>
-              <a:buChar char="•"/>
-            </a:pPr>
-            <a:r>
-              <a:rPr lang="es-ES" dirty="0"/>
-              <a:t>Sprite</a:t>
-            </a:r>
-          </a:p>
-          <a:p>
-            <a:pPr marL="742950" lvl="1" indent="-285750">
-              <a:buFont typeface="Arial" panose="020B0604020202020204" pitchFamily="34" charset="0"/>
-              <a:buChar char="•"/>
-            </a:pPr>
-            <a:r>
-              <a:rPr lang="es-ES" i="1" dirty="0" err="1"/>
-              <a:t>activated</a:t>
-            </a:r>
-            <a:endParaRPr lang="es-ES" i="1" dirty="0"/>
-          </a:p>
-          <a:p>
-            <a:pPr marL="742950" lvl="1" indent="-285750">
-              <a:buFont typeface="Arial" panose="020B0604020202020204" pitchFamily="34" charset="0"/>
-              <a:buChar char="•"/>
-            </a:pPr>
-            <a:r>
-              <a:rPr lang="es-ES" dirty="0" err="1"/>
-              <a:t>Stage</a:t>
-            </a:r>
-            <a:endParaRPr lang="es-ES" dirty="0"/>
-          </a:p>
-          <a:p>
-            <a:pPr marL="742950" lvl="1" indent="-285750">
-              <a:buFont typeface="Arial" panose="020B0604020202020204" pitchFamily="34" charset="0"/>
-              <a:buChar char="•"/>
-            </a:pPr>
-            <a:r>
-              <a:rPr lang="es-ES" i="1" dirty="0" err="1"/>
-              <a:t>label</a:t>
-            </a:r>
-            <a:endParaRPr lang="es-ES" i="1" dirty="0"/>
-          </a:p>
-          <a:p>
-            <a:pPr marL="285750" indent="-285750">
-              <a:buFont typeface="Arial" panose="020B0604020202020204" pitchFamily="34" charset="0"/>
-              <a:buChar char="•"/>
-            </a:pPr>
-            <a:r>
-              <a:rPr lang="es-ES" dirty="0"/>
-              <a:t>Funcionamiento</a:t>
-            </a:r>
           </a:p>
         </p:txBody>
       </p:sp>
     </p:spTree>
     <p:extLst>
       <p:ext uri="{BB962C8B-B14F-4D97-AF65-F5344CB8AC3E}">
-        <p14:creationId xmlns:p14="http://schemas.microsoft.com/office/powerpoint/2010/main" val="2250990106"/>
-      </p:ext>
-    </p:extLst>
-  </p:cSld>
-  <p:clrMapOvr>
-    <a:masterClrMapping/>
-  </p:clrMapOvr>
-</p:sld>
-</file>
-
-<file path=ppt/slides/slide13.xml><?xml version="1.0" encoding="utf-8"?>
-<p:sld xmlns:a="http://schemas.openxmlformats.org/drawingml/2006/main" xmlns:r="http://schemas.openxmlformats.org/officeDocument/2006/relationships" xmlns:p="http://schemas.openxmlformats.org/presentationml/2006/main">
-  <p:cSld>
-    <p:spTree>
-      <p:nvGrpSpPr>
-        <p:cNvPr id="1" name=""/>
-        <p:cNvGrpSpPr/>
-        <p:nvPr/>
-      </p:nvGrpSpPr>
-      <p:grpSpPr>
-        <a:xfrm>
-          <a:off x="0" y="0"/>
-          <a:ext cx="0" cy="0"/>
-          <a:chOff x="0" y="0"/>
-          <a:chExt cx="0" cy="0"/>
-        </a:xfrm>
-      </p:grpSpPr>
-      <p:sp>
-        <p:nvSpPr>
-          <p:cNvPr id="2" name="Título 1">
-            <a:extLst>
-              <a:ext uri="{FF2B5EF4-FFF2-40B4-BE49-F238E27FC236}">
-                <a16:creationId xmlns:a16="http://schemas.microsoft.com/office/drawing/2014/main" id="{79A7075B-9A3B-4FCF-8218-1B9B6D1F75E9}"/>
-              </a:ext>
-            </a:extLst>
-          </p:cNvPr>
-          <p:cNvSpPr>
-            <a:spLocks noGrp="1"/>
-          </p:cNvSpPr>
-          <p:nvPr>
-            <p:ph type="title"/>
-          </p:nvPr>
-        </p:nvSpPr>
-        <p:spPr>
-          <a:xfrm>
-            <a:off x="1154954" y="348843"/>
-            <a:ext cx="8825659" cy="1981200"/>
-          </a:xfrm>
-        </p:spPr>
-        <p:txBody>
-          <a:bodyPr/>
-          <a:lstStyle/>
-          <a:p>
-            <a:r>
-              <a:rPr lang="es-ES" dirty="0"/>
-              <a:t>¿Qué nos ha ido bien?</a:t>
-            </a:r>
-          </a:p>
-        </p:txBody>
-      </p:sp>
-      <p:sp>
-        <p:nvSpPr>
-          <p:cNvPr id="6" name="Marcador de texto 5">
-            <a:extLst>
-              <a:ext uri="{FF2B5EF4-FFF2-40B4-BE49-F238E27FC236}">
-                <a16:creationId xmlns:a16="http://schemas.microsoft.com/office/drawing/2014/main" id="{B2A40A2C-ED3B-4B39-B08F-0CD6D67921D1}"/>
-              </a:ext>
-            </a:extLst>
-          </p:cNvPr>
-          <p:cNvSpPr>
-            <a:spLocks noGrp="1"/>
-          </p:cNvSpPr>
-          <p:nvPr>
-            <p:ph type="body" sz="half" idx="2"/>
-          </p:nvPr>
-        </p:nvSpPr>
-        <p:spPr>
-          <a:xfrm>
-            <a:off x="1154954" y="1946246"/>
-            <a:ext cx="8825659" cy="4073554"/>
-          </a:xfrm>
-        </p:spPr>
-        <p:txBody>
-          <a:bodyPr>
-            <a:normAutofit/>
-          </a:bodyPr>
-          <a:lstStyle/>
-          <a:p>
-            <a:pPr marL="285750" indent="-285750">
-              <a:buFont typeface="Arial" panose="020B0604020202020204" pitchFamily="34" charset="0"/>
-              <a:buChar char="•"/>
-            </a:pPr>
-            <a:r>
-              <a:rPr lang="es-ES" dirty="0"/>
-              <a:t>Idea muy clara desde el principio</a:t>
-            </a:r>
-          </a:p>
-          <a:p>
-            <a:pPr marL="285750" indent="-285750">
-              <a:buFont typeface="Arial" panose="020B0604020202020204" pitchFamily="34" charset="0"/>
-              <a:buChar char="•"/>
-            </a:pPr>
-            <a:r>
-              <a:rPr lang="es-ES" dirty="0"/>
-              <a:t>Tareas bien repartidas y trabajo simultáneo</a:t>
-            </a:r>
-          </a:p>
-        </p:txBody>
-      </p:sp>
-    </p:spTree>
-    <p:extLst>
-      <p:ext uri="{BB962C8B-B14F-4D97-AF65-F5344CB8AC3E}">
-        <p14:creationId xmlns:p14="http://schemas.microsoft.com/office/powerpoint/2010/main" val="583208318"/>
-      </p:ext>
-    </p:extLst>
-  </p:cSld>
-  <p:clrMapOvr>
-    <a:masterClrMapping/>
-  </p:clrMapOvr>
-</p:sld>
-</file>
-
-<file path=ppt/slides/slide14.xml><?xml version="1.0" encoding="utf-8"?>
-<p:sld xmlns:a="http://schemas.openxmlformats.org/drawingml/2006/main" xmlns:r="http://schemas.openxmlformats.org/officeDocument/2006/relationships" xmlns:p="http://schemas.openxmlformats.org/presentationml/2006/main">
-  <p:cSld>
-    <p:spTree>
-      <p:nvGrpSpPr>
-        <p:cNvPr id="1" name=""/>
-        <p:cNvGrpSpPr/>
-        <p:nvPr/>
-      </p:nvGrpSpPr>
-      <p:grpSpPr>
-        <a:xfrm>
-          <a:off x="0" y="0"/>
-          <a:ext cx="0" cy="0"/>
-          <a:chOff x="0" y="0"/>
-          <a:chExt cx="0" cy="0"/>
-        </a:xfrm>
-      </p:grpSpPr>
-      <p:sp>
-        <p:nvSpPr>
-          <p:cNvPr id="2" name="Título 1">
-            <a:extLst>
-              <a:ext uri="{FF2B5EF4-FFF2-40B4-BE49-F238E27FC236}">
-                <a16:creationId xmlns:a16="http://schemas.microsoft.com/office/drawing/2014/main" id="{79A7075B-9A3B-4FCF-8218-1B9B6D1F75E9}"/>
-              </a:ext>
-            </a:extLst>
-          </p:cNvPr>
-          <p:cNvSpPr>
-            <a:spLocks noGrp="1"/>
-          </p:cNvSpPr>
-          <p:nvPr>
-            <p:ph type="title"/>
-          </p:nvPr>
-        </p:nvSpPr>
-        <p:spPr>
-          <a:xfrm>
-            <a:off x="1154954" y="348843"/>
-            <a:ext cx="8825659" cy="1981200"/>
-          </a:xfrm>
-        </p:spPr>
-        <p:txBody>
-          <a:bodyPr/>
-          <a:lstStyle/>
-          <a:p>
-            <a:r>
-              <a:rPr lang="es-ES" dirty="0"/>
-              <a:t>¿Qué nos ha ido mal o se podría mejorar?</a:t>
-            </a:r>
-          </a:p>
-        </p:txBody>
-      </p:sp>
-      <p:sp>
-        <p:nvSpPr>
-          <p:cNvPr id="6" name="Marcador de texto 5">
-            <a:extLst>
-              <a:ext uri="{FF2B5EF4-FFF2-40B4-BE49-F238E27FC236}">
-                <a16:creationId xmlns:a16="http://schemas.microsoft.com/office/drawing/2014/main" id="{B2A40A2C-ED3B-4B39-B08F-0CD6D67921D1}"/>
-              </a:ext>
-            </a:extLst>
-          </p:cNvPr>
-          <p:cNvSpPr>
-            <a:spLocks noGrp="1"/>
-          </p:cNvSpPr>
-          <p:nvPr>
-            <p:ph type="body" sz="half" idx="2"/>
-          </p:nvPr>
-        </p:nvSpPr>
-        <p:spPr>
-          <a:xfrm>
-            <a:off x="1154954" y="1946246"/>
-            <a:ext cx="8825659" cy="4073554"/>
-          </a:xfrm>
-        </p:spPr>
-        <p:txBody>
-          <a:bodyPr>
-            <a:normAutofit/>
-          </a:bodyPr>
-          <a:lstStyle/>
-          <a:p>
-            <a:pPr marL="285750" indent="-285750">
-              <a:buFont typeface="Arial" panose="020B0604020202020204" pitchFamily="34" charset="0"/>
-              <a:buChar char="•"/>
-            </a:pPr>
-            <a:r>
-              <a:rPr lang="es-ES" dirty="0"/>
-              <a:t>Complicaciones con </a:t>
-            </a:r>
-            <a:r>
-              <a:rPr lang="es-ES" dirty="0" err="1"/>
-              <a:t>Tiled</a:t>
-            </a:r>
-            <a:endParaRPr lang="es-ES" dirty="0"/>
-          </a:p>
-          <a:p>
-            <a:pPr marL="285750" indent="-285750">
-              <a:buFont typeface="Arial" panose="020B0604020202020204" pitchFamily="34" charset="0"/>
-              <a:buChar char="•"/>
-            </a:pPr>
-            <a:r>
-              <a:rPr lang="es-ES" dirty="0"/>
-              <a:t>Implementación del cambio de habitación</a:t>
-            </a:r>
-          </a:p>
-          <a:p>
-            <a:pPr marL="285750" indent="-285750">
-              <a:buFont typeface="Arial" panose="020B0604020202020204" pitchFamily="34" charset="0"/>
-              <a:buChar char="•"/>
-            </a:pPr>
-            <a:r>
-              <a:rPr lang="es-ES" dirty="0"/>
-              <a:t>Proyecto demasiado ambicioso</a:t>
-            </a:r>
-          </a:p>
-        </p:txBody>
-      </p:sp>
-    </p:spTree>
-    <p:extLst>
-      <p:ext uri="{BB962C8B-B14F-4D97-AF65-F5344CB8AC3E}">
-        <p14:creationId xmlns:p14="http://schemas.microsoft.com/office/powerpoint/2010/main" val="1975805027"/>
+        <p14:creationId xmlns:p14="http://schemas.microsoft.com/office/powerpoint/2010/main" val="3841083826"/>
       </p:ext>
     </p:extLst>
   </p:cSld>
@@ -6795,7 +6422,7 @@
           <p:cNvPr id="2" name="Título 1">
             <a:extLst>
               <a:ext uri="{FF2B5EF4-FFF2-40B4-BE49-F238E27FC236}">
-                <a16:creationId xmlns:a16="http://schemas.microsoft.com/office/drawing/2014/main" id="{10D0A8D8-BF6D-4102-8B54-A0A91DA98A29}"/>
+                <a16:creationId xmlns:a16="http://schemas.microsoft.com/office/drawing/2014/main" xmlns="" id="{10D0A8D8-BF6D-4102-8B54-A0A91DA98A29}"/>
               </a:ext>
             </a:extLst>
           </p:cNvPr>
@@ -6823,7 +6450,7 @@
           <p:cNvPr id="3" name="Marcador de contenido 2">
             <a:extLst>
               <a:ext uri="{FF2B5EF4-FFF2-40B4-BE49-F238E27FC236}">
-                <a16:creationId xmlns:a16="http://schemas.microsoft.com/office/drawing/2014/main" id="{717F0A08-7CA3-427A-A2A4-55FAB42C5A3E}"/>
+                <a16:creationId xmlns:a16="http://schemas.microsoft.com/office/drawing/2014/main" xmlns="" id="{717F0A08-7CA3-427A-A2A4-55FAB42C5A3E}"/>
               </a:ext>
             </a:extLst>
           </p:cNvPr>
@@ -6840,83 +6467,83 @@
           <a:lstStyle/>
           <a:p>
             <a:r>
-              <a:rPr lang="es-ES" dirty="0"/>
+              <a:rPr lang="es-ES" sz="2800" dirty="0"/>
               <a:t>Basado en la saga </a:t>
             </a:r>
             <a:r>
-              <a:rPr lang="es-ES" dirty="0" err="1"/>
+              <a:rPr lang="es-ES" sz="2800" dirty="0" err="1"/>
               <a:t>The</a:t>
             </a:r>
             <a:r>
-              <a:rPr lang="es-ES" dirty="0"/>
+              <a:rPr lang="es-ES" sz="2800" dirty="0"/>
               <a:t> </a:t>
             </a:r>
             <a:r>
-              <a:rPr lang="es-ES" dirty="0" err="1"/>
+              <a:rPr lang="es-ES" sz="2800" dirty="0" err="1"/>
               <a:t>Legend</a:t>
             </a:r>
             <a:r>
-              <a:rPr lang="es-ES" dirty="0"/>
+              <a:rPr lang="es-ES" sz="2800" dirty="0"/>
               <a:t> </a:t>
             </a:r>
             <a:r>
-              <a:rPr lang="es-ES" dirty="0" err="1"/>
+              <a:rPr lang="es-ES" sz="2800" dirty="0" err="1"/>
               <a:t>of</a:t>
             </a:r>
             <a:r>
-              <a:rPr lang="es-ES" dirty="0"/>
+              <a:rPr lang="es-ES" sz="2800" dirty="0"/>
               <a:t> Zelda (Nintendo, 1986).</a:t>
             </a:r>
           </a:p>
           <a:p>
             <a:r>
-              <a:rPr lang="es-ES" dirty="0" err="1"/>
+              <a:rPr lang="es-ES" sz="2800" dirty="0" err="1"/>
               <a:t>Assets</a:t>
             </a:r>
             <a:r>
-              <a:rPr lang="es-ES" dirty="0"/>
+              <a:rPr lang="es-ES" sz="2800" dirty="0"/>
               <a:t> de </a:t>
             </a:r>
             <a:r>
-              <a:rPr lang="es-ES" dirty="0" err="1"/>
+              <a:rPr lang="es-ES" sz="2800" dirty="0" err="1"/>
               <a:t>Four</a:t>
             </a:r>
             <a:r>
-              <a:rPr lang="es-ES" dirty="0"/>
+              <a:rPr lang="es-ES" sz="2800" dirty="0"/>
               <a:t> </a:t>
             </a:r>
             <a:r>
-              <a:rPr lang="es-ES" dirty="0" err="1"/>
+              <a:rPr lang="es-ES" sz="2800" dirty="0" err="1"/>
               <a:t>Swords</a:t>
             </a:r>
             <a:r>
-              <a:rPr lang="es-ES" dirty="0"/>
+              <a:rPr lang="es-ES" sz="2800" dirty="0"/>
               <a:t> y </a:t>
             </a:r>
             <a:r>
-              <a:rPr lang="es-ES" dirty="0" err="1"/>
+              <a:rPr lang="es-ES" sz="2800" dirty="0" err="1"/>
               <a:t>Minish</a:t>
             </a:r>
             <a:r>
-              <a:rPr lang="es-ES" dirty="0"/>
+              <a:rPr lang="es-ES" sz="2800" dirty="0"/>
               <a:t> Cap.</a:t>
             </a:r>
           </a:p>
           <a:p>
             <a:r>
-              <a:rPr lang="es-ES" dirty="0"/>
+              <a:rPr lang="es-ES" sz="2800" dirty="0"/>
               <a:t>Simplificado, centrado en combates en una mazmorra sencilla.</a:t>
             </a:r>
           </a:p>
           <a:p>
             <a:r>
-              <a:rPr lang="es-ES" dirty="0"/>
+              <a:rPr lang="es-ES" sz="2800" dirty="0"/>
               <a:t>Victoria: derrotar al jefe final.</a:t>
             </a:r>
           </a:p>
           <a:p>
             <a:r>
-              <a:rPr lang="es-ES" dirty="0"/>
+              <a:rPr lang="es-ES" sz="2800" dirty="0"/>
               <a:t>Derrota: superado límite de impactos.</a:t>
             </a:r>
           </a:p>
@@ -6960,7 +6587,7 @@
           <p:cNvPr id="2" name="Título 1">
             <a:extLst>
               <a:ext uri="{FF2B5EF4-FFF2-40B4-BE49-F238E27FC236}">
-                <a16:creationId xmlns:a16="http://schemas.microsoft.com/office/drawing/2014/main" id="{79A7075B-9A3B-4FCF-8218-1B9B6D1F75E9}"/>
+                <a16:creationId xmlns:a16="http://schemas.microsoft.com/office/drawing/2014/main" xmlns="" id="{79A7075B-9A3B-4FCF-8218-1B9B6D1F75E9}"/>
               </a:ext>
             </a:extLst>
           </p:cNvPr>
@@ -6982,7 +6609,7 @@
           <a:lstStyle/>
           <a:p>
             <a:r>
-              <a:rPr lang="es-ES" dirty="0"/>
+              <a:rPr lang="es-ES" sz="4200" dirty="0"/>
               <a:t>Mecánicas</a:t>
             </a:r>
           </a:p>
@@ -6993,7 +6620,7 @@
           <p:cNvPr id="6" name="Marcador de texto 5">
             <a:extLst>
               <a:ext uri="{FF2B5EF4-FFF2-40B4-BE49-F238E27FC236}">
-                <a16:creationId xmlns:a16="http://schemas.microsoft.com/office/drawing/2014/main" id="{B2A40A2C-ED3B-4B39-B08F-0CD6D67921D1}"/>
+                <a16:creationId xmlns:a16="http://schemas.microsoft.com/office/drawing/2014/main" xmlns="" id="{B2A40A2C-ED3B-4B39-B08F-0CD6D67921D1}"/>
               </a:ext>
             </a:extLst>
           </p:cNvPr>
@@ -7021,7 +6648,7 @@
               <a:buChar char="•"/>
             </a:pPr>
             <a:r>
-              <a:rPr lang="es-ES" dirty="0"/>
+              <a:rPr lang="es-ES" sz="2800" dirty="0"/>
               <a:t>Libertad de movimiento</a:t>
             </a:r>
           </a:p>
@@ -7031,7 +6658,7 @@
               <a:buChar char="•"/>
             </a:pPr>
             <a:r>
-              <a:rPr lang="es-ES" dirty="0"/>
+              <a:rPr lang="es-ES" sz="2800" dirty="0"/>
               <a:t>Combate</a:t>
             </a:r>
           </a:p>
@@ -7041,7 +6668,7 @@
               <a:buChar char="•"/>
             </a:pPr>
             <a:r>
-              <a:rPr lang="es-ES" dirty="0"/>
+              <a:rPr lang="es-ES" sz="2800" dirty="0"/>
               <a:t>Salud</a:t>
             </a:r>
           </a:p>
@@ -7051,7 +6678,7 @@
               <a:buChar char="•"/>
             </a:pPr>
             <a:r>
-              <a:rPr lang="es-ES" dirty="0"/>
+              <a:rPr lang="es-ES" sz="2800" dirty="0"/>
               <a:t>Interfaz</a:t>
             </a:r>
           </a:p>
@@ -7061,7 +6688,7 @@
               <a:buChar char="•"/>
             </a:pPr>
             <a:r>
-              <a:rPr lang="es-ES" dirty="0"/>
+              <a:rPr lang="es-ES" sz="2800" dirty="0"/>
               <a:t>Tracking</a:t>
             </a:r>
           </a:p>
@@ -7071,10 +6698,10 @@
               <a:buChar char="•"/>
             </a:pPr>
             <a:r>
-              <a:rPr lang="es-ES" dirty="0" err="1"/>
+              <a:rPr lang="es-ES" sz="2800" dirty="0" err="1"/>
               <a:t>Puzzles</a:t>
             </a:r>
-            <a:endParaRPr lang="es-ES" dirty="0"/>
+            <a:endParaRPr lang="es-ES" sz="2800" dirty="0"/>
           </a:p>
           <a:p>
             <a:pPr marL="285750" indent="-285750">
@@ -7082,7 +6709,7 @@
               <a:buChar char="•"/>
             </a:pPr>
             <a:r>
-              <a:rPr lang="es-ES" dirty="0"/>
+              <a:rPr lang="es-ES" sz="2800" dirty="0"/>
               <a:t>Interacción con el escenario</a:t>
             </a:r>
           </a:p>
@@ -7123,7 +6750,7 @@
           <p:cNvPr id="2" name="Título 1">
             <a:extLst>
               <a:ext uri="{FF2B5EF4-FFF2-40B4-BE49-F238E27FC236}">
-                <a16:creationId xmlns:a16="http://schemas.microsoft.com/office/drawing/2014/main" id="{79A7075B-9A3B-4FCF-8218-1B9B6D1F75E9}"/>
+                <a16:creationId xmlns:a16="http://schemas.microsoft.com/office/drawing/2014/main" xmlns="" id="{79A7075B-9A3B-4FCF-8218-1B9B6D1F75E9}"/>
               </a:ext>
             </a:extLst>
           </p:cNvPr>
@@ -7145,9 +6772,10 @@
           <a:lstStyle/>
           <a:p>
             <a:r>
-              <a:rPr lang="es-ES" dirty="0"/>
+              <a:rPr lang="es-ES" sz="4200" dirty="0" smtClean="0"/>
               <a:t>Arquitectura de las clases</a:t>
             </a:r>
+            <a:endParaRPr lang="es-ES" sz="4200" dirty="0"/>
           </a:p>
         </p:txBody>
       </p:sp>
@@ -7156,7 +6784,7 @@
           <p:cNvPr id="6" name="Marcador de texto 5">
             <a:extLst>
               <a:ext uri="{FF2B5EF4-FFF2-40B4-BE49-F238E27FC236}">
-                <a16:creationId xmlns:a16="http://schemas.microsoft.com/office/drawing/2014/main" id="{B2A40A2C-ED3B-4B39-B08F-0CD6D67921D1}"/>
+                <a16:creationId xmlns:a16="http://schemas.microsoft.com/office/drawing/2014/main" xmlns="" id="{B2A40A2C-ED3B-4B39-B08F-0CD6D67921D1}"/>
               </a:ext>
             </a:extLst>
           </p:cNvPr>
@@ -7184,7 +6812,7 @@
               <a:buChar char="•"/>
             </a:pPr>
             <a:r>
-              <a:rPr lang="es-ES" dirty="0"/>
+              <a:rPr lang="es-ES" sz="2400" dirty="0"/>
               <a:t>Personajes y objetos inanimados</a:t>
             </a:r>
           </a:p>
@@ -7194,7 +6822,7 @@
               <a:buChar char="•"/>
             </a:pPr>
             <a:r>
-              <a:rPr lang="es-ES" dirty="0"/>
+              <a:rPr lang="es-ES" sz="1600" dirty="0"/>
               <a:t>Link y enemigos.</a:t>
             </a:r>
           </a:p>
@@ -7204,7 +6832,7 @@
               <a:buChar char="•"/>
             </a:pPr>
             <a:r>
-              <a:rPr lang="es-ES" dirty="0"/>
+              <a:rPr lang="es-ES" sz="1600" dirty="0"/>
               <a:t>Basados en Sprite.</a:t>
             </a:r>
           </a:p>
@@ -7214,7 +6842,7 @@
               <a:buChar char="•"/>
             </a:pPr>
             <a:r>
-              <a:rPr lang="es-ES" dirty="0"/>
+              <a:rPr lang="es-ES" sz="1600" dirty="0"/>
               <a:t>Múltiples parámetros propios de cada personaje.</a:t>
             </a:r>
           </a:p>
@@ -7224,7 +6852,7 @@
               <a:buChar char="•"/>
             </a:pPr>
             <a:r>
-              <a:rPr lang="es-ES" dirty="0"/>
+              <a:rPr lang="es-ES" sz="1600" dirty="0"/>
               <a:t>Cofres y rupias.</a:t>
             </a:r>
           </a:p>
@@ -7234,7 +6862,7 @@
               <a:buChar char="•"/>
             </a:pPr>
             <a:r>
-              <a:rPr lang="es-ES" dirty="0"/>
+              <a:rPr lang="es-ES" sz="2400" dirty="0"/>
               <a:t>Escenario y pantallas</a:t>
             </a:r>
           </a:p>
@@ -7244,7 +6872,7 @@
               <a:buChar char="•"/>
             </a:pPr>
             <a:r>
-              <a:rPr lang="es-ES" dirty="0"/>
+              <a:rPr lang="es-ES" sz="1600" dirty="0"/>
               <a:t>Mapa único con zonas de transición.</a:t>
             </a:r>
           </a:p>
@@ -7254,7 +6882,7 @@
               <a:buChar char="•"/>
             </a:pPr>
             <a:r>
-              <a:rPr lang="es-ES" dirty="0"/>
+              <a:rPr lang="es-ES" sz="1600" dirty="0"/>
               <a:t>Varias habitaciones.</a:t>
             </a:r>
           </a:p>
@@ -7264,7 +6892,7 @@
               <a:buChar char="•"/>
             </a:pPr>
             <a:r>
-              <a:rPr lang="es-ES" dirty="0"/>
+              <a:rPr lang="es-ES" sz="1600" dirty="0"/>
               <a:t>Menú principal.</a:t>
             </a:r>
           </a:p>
@@ -7274,7 +6902,7 @@
               <a:buChar char="•"/>
             </a:pPr>
             <a:r>
-              <a:rPr lang="es-ES" dirty="0"/>
+              <a:rPr lang="es-ES" sz="1600" dirty="0"/>
               <a:t>Pantalla de créditos.</a:t>
             </a:r>
           </a:p>
@@ -7319,10 +6947,10 @@
       </p:grpSpPr>
       <p:sp>
         <p:nvSpPr>
-          <p:cNvPr id="2" name="Título 1">
+          <p:cNvPr id="4" name="Título 3">
             <a:extLst>
               <a:ext uri="{FF2B5EF4-FFF2-40B4-BE49-F238E27FC236}">
-                <a16:creationId xmlns:a16="http://schemas.microsoft.com/office/drawing/2014/main" id="{79A7075B-9A3B-4FCF-8218-1B9B6D1F75E9}"/>
+                <a16:creationId xmlns:a16="http://schemas.microsoft.com/office/drawing/2014/main" xmlns="" id="{15642513-9518-4AF6-942B-20B6BD6B38C2}"/>
               </a:ext>
             </a:extLst>
           </p:cNvPr>
@@ -7333,29 +6961,44 @@
             <p:ph type="title"/>
           </p:nvPr>
         </p:nvSpPr>
-        <p:spPr>
-          <a:xfrm>
-            <a:off x="1154954" y="348843"/>
-            <a:ext cx="8825659" cy="1981200"/>
-          </a:xfrm>
-        </p:spPr>
-        <p:txBody>
-          <a:bodyPr/>
+        <p:spPr/>
+        <p:txBody>
+          <a:bodyPr>
+            <a:noAutofit/>
+          </a:bodyPr>
           <a:lstStyle/>
           <a:p>
             <a:r>
               <a:rPr lang="es-ES" dirty="0"/>
-              <a:t>Personajes y Objetos</a:t>
-            </a:r>
-          </a:p>
-        </p:txBody>
-      </p:sp>
-      <p:sp>
-        <p:nvSpPr>
-          <p:cNvPr id="6" name="Marcador de texto 5">
+              <a:t>Personajes</a:t>
+            </a:r>
+            <a:br>
+              <a:rPr lang="es-ES" dirty="0"/>
+            </a:br>
+            <a:r>
+              <a:rPr lang="es-ES" dirty="0"/>
+              <a:t>	</a:t>
+            </a:r>
+            <a:br>
+              <a:rPr lang="es-ES" dirty="0"/>
+            </a:br>
+            <a:r>
+              <a:rPr lang="es-ES" dirty="0"/>
+              <a:t/>
+            </a:r>
+            <a:br>
+              <a:rPr lang="es-ES" dirty="0"/>
+            </a:br>
+            <a:endParaRPr lang="es-ES" dirty="0"/>
+          </a:p>
+        </p:txBody>
+      </p:sp>
+      <p:sp>
+        <p:nvSpPr>
+          <p:cNvPr id="5" name="Marcador de contenido 4">
             <a:extLst>
               <a:ext uri="{FF2B5EF4-FFF2-40B4-BE49-F238E27FC236}">
-                <a16:creationId xmlns:a16="http://schemas.microsoft.com/office/drawing/2014/main" id="{B2A40A2C-ED3B-4B39-B08F-0CD6D67921D1}"/>
+                <a16:creationId xmlns:a16="http://schemas.microsoft.com/office/drawing/2014/main" xmlns="" id="{3CD90014-AEE0-4842-AEE9-77F46B25E888}"/>
               </a:ext>
             </a:extLst>
           </p:cNvPr>
@@ -7363,38 +7006,61 @@
             <a:spLocks noGrp="1"/>
           </p:cNvSpPr>
           <p:nvPr>
-            <p:ph type="body" sz="half" idx="2"/>
-          </p:nvPr>
-        </p:nvSpPr>
-        <p:spPr>
-          <a:xfrm>
-            <a:off x="1154954" y="1946246"/>
-            <a:ext cx="8825659" cy="4073554"/>
-          </a:xfrm>
-        </p:spPr>
+            <p:ph idx="1"/>
+          </p:nvPr>
+        </p:nvSpPr>
+        <p:spPr/>
         <p:txBody>
           <a:bodyPr>
             <a:normAutofit/>
           </a:bodyPr>
           <a:lstStyle/>
           <a:p>
-            <a:pPr marL="285750" indent="-285750">
-              <a:buFont typeface="Arial" panose="020B0604020202020204" pitchFamily="34" charset="0"/>
-              <a:buChar char="•"/>
-            </a:pPr>
-            <a:r>
-              <a:rPr lang="es-ES" dirty="0"/>
-              <a:t>Personajes</a:t>
-            </a:r>
-          </a:p>
-          <a:p>
-            <a:pPr marL="285750" indent="-285750">
-              <a:buFont typeface="Arial" panose="020B0604020202020204" pitchFamily="34" charset="0"/>
-              <a:buChar char="•"/>
-            </a:pPr>
-            <a:r>
-              <a:rPr lang="es-ES" dirty="0"/>
-              <a:t>Objetos</a:t>
+            <a:r>
+              <a:rPr lang="es-ES" sz="2800" dirty="0"/>
+              <a:t>Personaje principal. </a:t>
+            </a:r>
+          </a:p>
+          <a:p>
+            <a:pPr lvl="1"/>
+            <a:r>
+              <a:rPr lang="es-ES" sz="2400" dirty="0"/>
+              <a:t>Link morado en lugar de Zelda.</a:t>
+            </a:r>
+          </a:p>
+          <a:p>
+            <a:pPr lvl="1"/>
+            <a:r>
+              <a:rPr lang="es-ES" sz="2400" dirty="0"/>
+              <a:t>Mecánicas:</a:t>
+            </a:r>
+          </a:p>
+          <a:p>
+            <a:pPr lvl="2"/>
+            <a:r>
+              <a:rPr lang="es-ES" sz="2000" dirty="0"/>
+              <a:t>Interactuar con objetos.</a:t>
+            </a:r>
+          </a:p>
+          <a:p>
+            <a:pPr lvl="2"/>
+            <a:r>
+              <a:rPr lang="es-ES" sz="2000" dirty="0"/>
+              <a:t>Atacar enemigos.</a:t>
+            </a:r>
+          </a:p>
+          <a:p>
+            <a:pPr lvl="2"/>
+            <a:r>
+              <a:rPr lang="es-ES" sz="2000" dirty="0"/>
+              <a:t>Recibir daño.</a:t>
+            </a:r>
+          </a:p>
+          <a:p>
+            <a:pPr lvl="2"/>
+            <a:r>
+              <a:rPr lang="es-ES" sz="2000" dirty="0"/>
+              <a:t>Movimiento. </a:t>
             </a:r>
           </a:p>
         </p:txBody>
@@ -7402,7 +7068,7 @@
     </p:spTree>
     <p:extLst>
       <p:ext uri="{BB962C8B-B14F-4D97-AF65-F5344CB8AC3E}">
-        <p14:creationId xmlns:p14="http://schemas.microsoft.com/office/powerpoint/2010/main" val="841668126"/>
+        <p14:creationId xmlns:p14="http://schemas.microsoft.com/office/powerpoint/2010/main" val="2912074910"/>
       </p:ext>
     </p:extLst>
   </p:cSld>
@@ -7434,7 +7100,7 @@
           <p:cNvPr id="2" name="Título 1">
             <a:extLst>
               <a:ext uri="{FF2B5EF4-FFF2-40B4-BE49-F238E27FC236}">
-                <a16:creationId xmlns:a16="http://schemas.microsoft.com/office/drawing/2014/main" id="{79A7075B-9A3B-4FCF-8218-1B9B6D1F75E9}"/>
+                <a16:creationId xmlns:a16="http://schemas.microsoft.com/office/drawing/2014/main" xmlns="" id="{584490D3-8D1C-4C6F-B2F4-4388559912FE}"/>
               </a:ext>
             </a:extLst>
           </p:cNvPr>
@@ -7445,29 +7111,24 @@
             <p:ph type="title"/>
           </p:nvPr>
         </p:nvSpPr>
-        <p:spPr>
-          <a:xfrm>
-            <a:off x="1154954" y="348843"/>
-            <a:ext cx="8825659" cy="1981200"/>
-          </a:xfrm>
-        </p:spPr>
+        <p:spPr/>
         <p:txBody>
           <a:bodyPr/>
           <a:lstStyle/>
           <a:p>
             <a:r>
               <a:rPr lang="es-ES" dirty="0"/>
-              <a:t>Personajes</a:t>
-            </a:r>
-          </a:p>
-        </p:txBody>
-      </p:sp>
-      <p:sp>
-        <p:nvSpPr>
-          <p:cNvPr id="6" name="Marcador de texto 5">
+              <a:t>Personajes	</a:t>
+            </a:r>
+          </a:p>
+        </p:txBody>
+      </p:sp>
+      <p:sp>
+        <p:nvSpPr>
+          <p:cNvPr id="3" name="Marcador de contenido 2">
             <a:extLst>
               <a:ext uri="{FF2B5EF4-FFF2-40B4-BE49-F238E27FC236}">
-                <a16:creationId xmlns:a16="http://schemas.microsoft.com/office/drawing/2014/main" id="{B2A40A2C-ED3B-4B39-B08F-0CD6D67921D1}"/>
+                <a16:creationId xmlns:a16="http://schemas.microsoft.com/office/drawing/2014/main" xmlns="" id="{B2B9B3F4-1991-414C-80AA-5383F659801A}"/>
               </a:ext>
             </a:extLst>
           </p:cNvPr>
@@ -7475,99 +7136,56 @@
             <a:spLocks noGrp="1"/>
           </p:cNvSpPr>
           <p:nvPr>
-            <p:ph type="body" sz="half" idx="2"/>
-          </p:nvPr>
-        </p:nvSpPr>
-        <p:spPr>
-          <a:xfrm>
-            <a:off x="1154954" y="1946246"/>
-            <a:ext cx="8825659" cy="4073554"/>
-          </a:xfrm>
-        </p:spPr>
+            <p:ph idx="1"/>
+          </p:nvPr>
+        </p:nvSpPr>
+        <p:spPr/>
         <p:txBody>
           <a:bodyPr>
             <a:normAutofit/>
           </a:bodyPr>
           <a:lstStyle/>
           <a:p>
-            <a:pPr marL="285750" indent="-285750">
-              <a:buFont typeface="Arial" panose="020B0604020202020204" pitchFamily="34" charset="0"/>
-              <a:buChar char="•"/>
-            </a:pPr>
-            <a:r>
-              <a:rPr lang="es-ES" dirty="0"/>
-              <a:t>Propiedades</a:t>
-            </a:r>
-          </a:p>
-          <a:p>
-            <a:pPr marL="285750" indent="-285750">
-              <a:buFont typeface="Arial" panose="020B0604020202020204" pitchFamily="34" charset="0"/>
-              <a:buChar char="•"/>
-            </a:pPr>
-            <a:r>
-              <a:rPr lang="es-ES" dirty="0"/>
-              <a:t>Funcionamiento</a:t>
-            </a:r>
-          </a:p>
-          <a:p>
-            <a:pPr marL="742950" lvl="1" indent="-285750">
-              <a:buFont typeface="Arial" panose="020B0604020202020204" pitchFamily="34" charset="0"/>
-              <a:buChar char="•"/>
-            </a:pPr>
-            <a:r>
-              <a:rPr lang="es-ES" dirty="0" err="1"/>
-              <a:t>Interact</a:t>
-            </a:r>
-            <a:endParaRPr lang="es-ES" dirty="0"/>
-          </a:p>
-          <a:p>
-            <a:pPr marL="742950" lvl="1" indent="-285750">
-              <a:buFont typeface="Arial" panose="020B0604020202020204" pitchFamily="34" charset="0"/>
-              <a:buChar char="•"/>
-            </a:pPr>
-            <a:r>
-              <a:rPr lang="es-ES" dirty="0" err="1"/>
-              <a:t>Attack</a:t>
-            </a:r>
-            <a:endParaRPr lang="es-ES" dirty="0"/>
-          </a:p>
-          <a:p>
-            <a:pPr marL="742950" lvl="1" indent="-285750">
-              <a:buFont typeface="Arial" panose="020B0604020202020204" pitchFamily="34" charset="0"/>
-              <a:buChar char="•"/>
-            </a:pPr>
-            <a:r>
-              <a:rPr lang="es-ES" dirty="0"/>
-              <a:t>Hit</a:t>
-            </a:r>
-          </a:p>
-          <a:p>
-            <a:pPr marL="742950" lvl="1" indent="-285750">
-              <a:buFont typeface="Arial" panose="020B0604020202020204" pitchFamily="34" charset="0"/>
-              <a:buChar char="•"/>
-            </a:pPr>
-            <a:r>
-              <a:rPr lang="es-ES" dirty="0"/>
-              <a:t>Movimiento de Link</a:t>
-            </a:r>
-          </a:p>
-          <a:p>
-            <a:pPr marL="742950" lvl="1" indent="-285750">
-              <a:buFont typeface="Arial" panose="020B0604020202020204" pitchFamily="34" charset="0"/>
-              <a:buChar char="•"/>
-            </a:pPr>
-            <a:r>
-              <a:rPr lang="es-ES" dirty="0" err="1"/>
-              <a:t>aiTrack</a:t>
-            </a:r>
-            <a:endParaRPr lang="es-ES" dirty="0"/>
+            <a:r>
+              <a:rPr lang="es-ES" sz="2800" dirty="0"/>
+              <a:t>Enemigos</a:t>
+            </a:r>
+          </a:p>
+          <a:p>
+            <a:pPr lvl="1"/>
+            <a:r>
+              <a:rPr lang="es-ES" sz="2400" dirty="0" err="1"/>
+              <a:t>Darknut</a:t>
+            </a:r>
+            <a:endParaRPr lang="es-ES" sz="2400" dirty="0"/>
+          </a:p>
+          <a:p>
+            <a:pPr lvl="2"/>
+            <a:r>
+              <a:rPr lang="es-ES" sz="2000" dirty="0"/>
+              <a:t>Persigue al jugador.</a:t>
+            </a:r>
+          </a:p>
+          <a:p>
+            <a:pPr lvl="2"/>
+            <a:r>
+              <a:rPr lang="es-ES" sz="2000" dirty="0"/>
+              <a:t>Ataca.</a:t>
+            </a:r>
+          </a:p>
+          <a:p>
+            <a:pPr lvl="2"/>
+            <a:r>
+              <a:rPr lang="es-ES" sz="2000" dirty="0"/>
+              <a:t>Recibe daño.</a:t>
+            </a:r>
           </a:p>
         </p:txBody>
       </p:sp>
     </p:spTree>
     <p:extLst>
       <p:ext uri="{BB962C8B-B14F-4D97-AF65-F5344CB8AC3E}">
-        <p14:creationId xmlns:p14="http://schemas.microsoft.com/office/powerpoint/2010/main" val="1732938208"/>
+        <p14:creationId xmlns:p14="http://schemas.microsoft.com/office/powerpoint/2010/main" val="1437104409"/>
       </p:ext>
     </p:extLst>
   </p:cSld>
@@ -7596,10 +7214,10 @@
       </p:grpSpPr>
       <p:sp>
         <p:nvSpPr>
-          <p:cNvPr id="4" name="Título 3">
+          <p:cNvPr id="2" name="Título 1">
             <a:extLst>
               <a:ext uri="{FF2B5EF4-FFF2-40B4-BE49-F238E27FC236}">
-                <a16:creationId xmlns:a16="http://schemas.microsoft.com/office/drawing/2014/main" id="{15642513-9518-4AF6-942B-20B6BD6B38C2}"/>
+                <a16:creationId xmlns:a16="http://schemas.microsoft.com/office/drawing/2014/main" xmlns="" id="{5DB9D59D-4162-492E-80B3-B0BF819FA569}"/>
               </a:ext>
             </a:extLst>
           </p:cNvPr>
@@ -7612,38 +7230,22 @@
         </p:nvSpPr>
         <p:spPr/>
         <p:txBody>
-          <a:bodyPr>
-            <a:normAutofit fontScale="90000"/>
-          </a:bodyPr>
+          <a:bodyPr/>
           <a:lstStyle/>
           <a:p>
             <a:r>
               <a:rPr lang="es-ES" dirty="0"/>
-              <a:t>Personajes</a:t>
-            </a:r>
-            <a:br>
-              <a:rPr lang="es-ES" dirty="0"/>
-            </a:br>
-            <a:r>
-              <a:rPr lang="es-ES" dirty="0"/>
-              <a:t>	</a:t>
-            </a:r>
-            <a:br>
-              <a:rPr lang="es-ES" dirty="0"/>
-            </a:br>
-            <a:br>
-              <a:rPr lang="es-ES" dirty="0"/>
-            </a:br>
-            <a:endParaRPr lang="es-ES" dirty="0"/>
-          </a:p>
-        </p:txBody>
-      </p:sp>
-      <p:sp>
-        <p:nvSpPr>
-          <p:cNvPr id="5" name="Marcador de contenido 4">
+              <a:t>Objetos	</a:t>
+            </a:r>
+          </a:p>
+        </p:txBody>
+      </p:sp>
+      <p:sp>
+        <p:nvSpPr>
+          <p:cNvPr id="3" name="Marcador de contenido 2">
             <a:extLst>
               <a:ext uri="{FF2B5EF4-FFF2-40B4-BE49-F238E27FC236}">
-                <a16:creationId xmlns:a16="http://schemas.microsoft.com/office/drawing/2014/main" id="{3CD90014-AEE0-4842-AEE9-77F46B25E888}"/>
+                <a16:creationId xmlns:a16="http://schemas.microsoft.com/office/drawing/2014/main" xmlns="" id="{5CADDB86-9F2F-4515-AB18-C24F2A9142D7}"/>
               </a:ext>
             </a:extLst>
           </p:cNvPr>
@@ -7656,54 +7258,60 @@
         </p:nvSpPr>
         <p:spPr/>
         <p:txBody>
-          <a:bodyPr/>
-          <a:lstStyle/>
-          <a:p>
-            <a:r>
-              <a:rPr lang="es-ES" dirty="0"/>
-              <a:t>Personaje principal. </a:t>
+          <a:bodyPr>
+            <a:noAutofit/>
+          </a:bodyPr>
+          <a:lstStyle/>
+          <a:p>
+            <a:r>
+              <a:rPr lang="es-ES" sz="2800" dirty="0"/>
+              <a:t>Cofres</a:t>
             </a:r>
           </a:p>
           <a:p>
             <a:pPr lvl="1"/>
             <a:r>
-              <a:rPr lang="es-ES" dirty="0"/>
-              <a:t>Link morado en lugar de Zelda.</a:t>
+              <a:rPr lang="es-ES" sz="2400" dirty="0"/>
+              <a:t>Contienen una rupia.</a:t>
             </a:r>
           </a:p>
           <a:p>
             <a:pPr lvl="1"/>
             <a:r>
-              <a:rPr lang="es-ES" dirty="0"/>
-              <a:t>Mecánicas:</a:t>
-            </a:r>
-          </a:p>
-          <a:p>
-            <a:pPr lvl="2"/>
-            <a:r>
-              <a:rPr lang="es-ES" dirty="0"/>
-              <a:t>Interactuar con objetos.</a:t>
-            </a:r>
-          </a:p>
-          <a:p>
-            <a:pPr lvl="2"/>
-            <a:r>
-              <a:rPr lang="es-ES" dirty="0"/>
-              <a:t>Atacar enemigos.</a:t>
-            </a:r>
-          </a:p>
-          <a:p>
-            <a:pPr lvl="2"/>
-            <a:r>
-              <a:rPr lang="es-ES" dirty="0"/>
-              <a:t>Recibir daño.</a:t>
-            </a:r>
-          </a:p>
-          <a:p>
-            <a:pPr lvl="2"/>
-            <a:r>
-              <a:rPr lang="es-ES" dirty="0"/>
-              <a:t>Movimiento. </a:t>
+              <a:rPr lang="es-ES" sz="2400" dirty="0"/>
+              <a:t>Se abren cuando el jugador interactúa con ellos estando al lado.</a:t>
+            </a:r>
+          </a:p>
+          <a:p>
+            <a:pPr lvl="1"/>
+            <a:endParaRPr lang="es-ES" sz="2400" dirty="0"/>
+          </a:p>
+          <a:p>
+            <a:r>
+              <a:rPr lang="es-ES" sz="2800" dirty="0"/>
+              <a:t>Rupias</a:t>
+            </a:r>
+          </a:p>
+          <a:p>
+            <a:pPr lvl="1"/>
+            <a:r>
+              <a:rPr lang="es-ES" sz="2400" dirty="0"/>
+              <a:t>Aparecen al abrir un cofre.</a:t>
+            </a:r>
+          </a:p>
+          <a:p>
+            <a:pPr lvl="1"/>
+            <a:r>
+              <a:rPr lang="es-ES" sz="2400" dirty="0"/>
+              <a:t>Están animadas con </a:t>
+            </a:r>
+            <a:r>
+              <a:rPr lang="es-ES" sz="2400" dirty="0" err="1"/>
+              <a:t>tween</a:t>
+            </a:r>
+            <a:r>
+              <a:rPr lang="es-ES" sz="2400" dirty="0"/>
+              <a:t>.</a:t>
             </a:r>
           </a:p>
         </p:txBody>
@@ -7711,7 +7319,7 @@
     </p:spTree>
     <p:extLst>
       <p:ext uri="{BB962C8B-B14F-4D97-AF65-F5344CB8AC3E}">
-        <p14:creationId xmlns:p14="http://schemas.microsoft.com/office/powerpoint/2010/main" val="2912074910"/>
+        <p14:creationId xmlns:p14="http://schemas.microsoft.com/office/powerpoint/2010/main" val="3407817349"/>
       </p:ext>
     </p:extLst>
   </p:cSld>
@@ -7743,7 +7351,7 @@
           <p:cNvPr id="2" name="Título 1">
             <a:extLst>
               <a:ext uri="{FF2B5EF4-FFF2-40B4-BE49-F238E27FC236}">
-                <a16:creationId xmlns:a16="http://schemas.microsoft.com/office/drawing/2014/main" id="{584490D3-8D1C-4C6F-B2F4-4388559912FE}"/>
+                <a16:creationId xmlns:a16="http://schemas.microsoft.com/office/drawing/2014/main" xmlns="" id="{79A7075B-9A3B-4FCF-8218-1B9B6D1F75E9}"/>
               </a:ext>
             </a:extLst>
           </p:cNvPr>
@@ -7754,24 +7362,37 @@
             <p:ph type="title"/>
           </p:nvPr>
         </p:nvSpPr>
-        <p:spPr/>
+        <p:spPr>
+          <a:xfrm>
+            <a:off x="1154954" y="348843"/>
+            <a:ext cx="8825659" cy="1981200"/>
+          </a:xfrm>
+        </p:spPr>
         <p:txBody>
           <a:bodyPr/>
           <a:lstStyle/>
           <a:p>
             <a:r>
-              <a:rPr lang="es-ES" dirty="0"/>
-              <a:t>Personajes	</a:t>
-            </a:r>
-          </a:p>
-        </p:txBody>
-      </p:sp>
-      <p:sp>
-        <p:nvSpPr>
-          <p:cNvPr id="3" name="Marcador de contenido 2">
+              <a:rPr lang="es-ES" sz="4200" dirty="0" err="1"/>
+              <a:t>aiTrack</a:t>
+            </a:r>
+            <a:r>
+              <a:rPr lang="es-ES" sz="4200" dirty="0"/>
+              <a:t/>
+            </a:r>
+            <a:br>
+              <a:rPr lang="es-ES" sz="4200" dirty="0"/>
+            </a:br>
+            <a:endParaRPr lang="es-ES" sz="4200" dirty="0"/>
+          </a:p>
+        </p:txBody>
+      </p:sp>
+      <p:sp>
+        <p:nvSpPr>
+          <p:cNvPr id="6" name="Marcador de texto 5">
             <a:extLst>
               <a:ext uri="{FF2B5EF4-FFF2-40B4-BE49-F238E27FC236}">
-                <a16:creationId xmlns:a16="http://schemas.microsoft.com/office/drawing/2014/main" id="{B2B9B3F4-1991-414C-80AA-5383F659801A}"/>
+                <a16:creationId xmlns:a16="http://schemas.microsoft.com/office/drawing/2014/main" xmlns="" id="{B2A40A2C-ED3B-4B39-B08F-0CD6D67921D1}"/>
               </a:ext>
             </a:extLst>
           </p:cNvPr>
@@ -7779,54 +7400,33 @@
             <a:spLocks noGrp="1"/>
           </p:cNvSpPr>
           <p:nvPr>
-            <p:ph idx="1"/>
-          </p:nvPr>
-        </p:nvSpPr>
-        <p:spPr/>
-        <p:txBody>
-          <a:bodyPr/>
-          <a:lstStyle/>
-          <a:p>
-            <a:r>
-              <a:rPr lang="es-ES" dirty="0"/>
-              <a:t>Enemigos</a:t>
-            </a:r>
-          </a:p>
-          <a:p>
-            <a:pPr lvl="1"/>
-            <a:r>
-              <a:rPr lang="es-ES" dirty="0" err="1"/>
-              <a:t>Darknut</a:t>
-            </a:r>
+            <p:ph type="body" sz="half" idx="2"/>
+          </p:nvPr>
+        </p:nvSpPr>
+        <p:spPr>
+          <a:xfrm>
+            <a:off x="1154954" y="1946246"/>
+            <a:ext cx="8825659" cy="4073554"/>
+          </a:xfrm>
+        </p:spPr>
+        <p:txBody>
+          <a:bodyPr>
+            <a:normAutofit/>
+          </a:bodyPr>
+          <a:lstStyle/>
+          <a:p>
+            <a:pPr marL="285750" indent="-285750">
+              <a:buFont typeface="Arial" panose="020B0604020202020204" pitchFamily="34" charset="0"/>
+              <a:buChar char="•"/>
+            </a:pPr>
             <a:endParaRPr lang="es-ES" dirty="0"/>
-          </a:p>
-          <a:p>
-            <a:pPr lvl="2"/>
-            <a:r>
-              <a:rPr lang="es-ES" dirty="0"/>
-              <a:t>Persigue al jugador.</a:t>
-            </a:r>
-          </a:p>
-          <a:p>
-            <a:pPr lvl="2"/>
-            <a:r>
-              <a:rPr lang="es-ES" dirty="0"/>
-              <a:t>Ataca.</a:t>
-            </a:r>
-          </a:p>
-          <a:p>
-            <a:pPr lvl="2"/>
-            <a:r>
-              <a:rPr lang="es-ES" dirty="0"/>
-              <a:t>Recibe daño.</a:t>
-            </a:r>
           </a:p>
         </p:txBody>
       </p:sp>
     </p:spTree>
     <p:extLst>
       <p:ext uri="{BB962C8B-B14F-4D97-AF65-F5344CB8AC3E}">
-        <p14:creationId xmlns:p14="http://schemas.microsoft.com/office/powerpoint/2010/main" val="1437104409"/>
+        <p14:creationId xmlns:p14="http://schemas.microsoft.com/office/powerpoint/2010/main" val="3159092108"/>
       </p:ext>
     </p:extLst>
   </p:cSld>
@@ -7858,7 +7458,7 @@
           <p:cNvPr id="2" name="Título 1">
             <a:extLst>
               <a:ext uri="{FF2B5EF4-FFF2-40B4-BE49-F238E27FC236}">
-                <a16:creationId xmlns:a16="http://schemas.microsoft.com/office/drawing/2014/main" id="{5DB9D59D-4162-492E-80B3-B0BF819FA569}"/>
+                <a16:creationId xmlns:a16="http://schemas.microsoft.com/office/drawing/2014/main" xmlns="" id="{79A7075B-9A3B-4FCF-8218-1B9B6D1F75E9}"/>
               </a:ext>
             </a:extLst>
           </p:cNvPr>
@@ -7869,24 +7469,30 @@
             <p:ph type="title"/>
           </p:nvPr>
         </p:nvSpPr>
-        <p:spPr/>
+        <p:spPr>
+          <a:xfrm>
+            <a:off x="1154954" y="348843"/>
+            <a:ext cx="8825659" cy="1981200"/>
+          </a:xfrm>
+        </p:spPr>
         <p:txBody>
           <a:bodyPr/>
           <a:lstStyle/>
           <a:p>
             <a:r>
-              <a:rPr lang="es-ES" dirty="0"/>
-              <a:t>Objetos	</a:t>
-            </a:r>
-          </a:p>
-        </p:txBody>
-      </p:sp>
-      <p:sp>
-        <p:nvSpPr>
-          <p:cNvPr id="3" name="Marcador de contenido 2">
+              <a:rPr lang="es-ES" sz="4200" dirty="0" err="1"/>
+              <a:t>Puzzles</a:t>
+            </a:r>
+            <a:endParaRPr lang="es-ES" sz="4200" dirty="0"/>
+          </a:p>
+        </p:txBody>
+      </p:sp>
+      <p:sp>
+        <p:nvSpPr>
+          <p:cNvPr id="6" name="Marcador de texto 5">
             <a:extLst>
               <a:ext uri="{FF2B5EF4-FFF2-40B4-BE49-F238E27FC236}">
-                <a16:creationId xmlns:a16="http://schemas.microsoft.com/office/drawing/2014/main" id="{5CADDB86-9F2F-4515-AB18-C24F2A9142D7}"/>
+                <a16:creationId xmlns:a16="http://schemas.microsoft.com/office/drawing/2014/main" xmlns="" id="{B2A40A2C-ED3B-4B39-B08F-0CD6D67921D1}"/>
               </a:ext>
             </a:extLst>
           </p:cNvPr>
@@ -7894,71 +7500,91 @@
             <a:spLocks noGrp="1"/>
           </p:cNvSpPr>
           <p:nvPr>
-            <p:ph idx="1"/>
-          </p:nvPr>
-        </p:nvSpPr>
-        <p:spPr/>
-        <p:txBody>
-          <a:bodyPr/>
-          <a:lstStyle/>
-          <a:p>
-            <a:r>
-              <a:rPr lang="es-ES" dirty="0"/>
-              <a:t>Cofres</a:t>
-            </a:r>
-          </a:p>
-          <a:p>
-            <a:pPr lvl="1"/>
-            <a:r>
-              <a:rPr lang="es-ES" dirty="0"/>
-              <a:t>Contienen una rupia.</a:t>
-            </a:r>
-          </a:p>
-          <a:p>
-            <a:pPr lvl="1"/>
-            <a:r>
-              <a:rPr lang="es-ES" dirty="0"/>
-              <a:t>Se abren cuando el jugador interactúa con ellos estando al lado.</a:t>
-            </a:r>
-          </a:p>
-          <a:p>
-            <a:pPr lvl="1"/>
-            <a:endParaRPr lang="es-ES" dirty="0"/>
-          </a:p>
-          <a:p>
-            <a:r>
-              <a:rPr lang="es-ES" dirty="0"/>
-              <a:t>Rupias</a:t>
-            </a:r>
-          </a:p>
-          <a:p>
-            <a:pPr lvl="1"/>
-            <a:r>
-              <a:rPr lang="es-ES" dirty="0"/>
-              <a:t>Aparecen al abrir un cofre.</a:t>
-            </a:r>
-          </a:p>
-          <a:p>
-            <a:pPr lvl="1"/>
-            <a:r>
-              <a:rPr lang="es-ES" dirty="0"/>
-              <a:t>Están animadas con </a:t>
-            </a:r>
-            <a:r>
-              <a:rPr lang="es-ES" dirty="0" err="1"/>
-              <a:t>tween</a:t>
-            </a:r>
-            <a:r>
-              <a:rPr lang="es-ES" dirty="0"/>
-              <a:t>.</a:t>
-            </a:r>
+            <p:ph type="body" sz="half" idx="2"/>
+          </p:nvPr>
+        </p:nvSpPr>
+        <p:spPr>
+          <a:xfrm>
+            <a:off x="1154954" y="1946246"/>
+            <a:ext cx="8825659" cy="4073554"/>
+          </a:xfrm>
+        </p:spPr>
+        <p:txBody>
+          <a:bodyPr>
+            <a:normAutofit/>
+          </a:bodyPr>
+          <a:lstStyle/>
+          <a:p>
+            <a:pPr marL="342900" indent="-342900">
+              <a:buFont typeface="Wingdings" panose="05000000000000000000" pitchFamily="2" charset="2"/>
+              <a:buChar char="Ø"/>
+            </a:pPr>
+            <a:r>
+              <a:rPr lang="es-ES" sz="2800" dirty="0"/>
+              <a:t>Propiedades</a:t>
+            </a:r>
+            <a:endParaRPr lang="es-ES" sz="2400" dirty="0"/>
+          </a:p>
+          <a:p>
+            <a:pPr marL="742950" lvl="1" indent="-285750">
+              <a:buFont typeface="Wingdings" panose="05000000000000000000" pitchFamily="2" charset="2"/>
+              <a:buChar char="§"/>
+            </a:pPr>
+            <a:r>
+              <a:rPr lang="es-ES" sz="2400" dirty="0"/>
+              <a:t>Sprite</a:t>
+            </a:r>
+          </a:p>
+          <a:p>
+            <a:pPr marL="1200150" lvl="2" indent="-285750">
+              <a:buFont typeface="Wingdings" panose="05000000000000000000" pitchFamily="2" charset="2"/>
+              <a:buChar char="q"/>
+            </a:pPr>
+            <a:r>
+              <a:rPr lang="es-ES" sz="2000" i="1" dirty="0" err="1"/>
+              <a:t>activated</a:t>
+            </a:r>
+            <a:endParaRPr lang="es-ES" sz="2000" i="1" dirty="0"/>
+          </a:p>
+          <a:p>
+            <a:pPr marL="742950" lvl="1" indent="-285750">
+              <a:buFont typeface="Wingdings" panose="05000000000000000000" pitchFamily="2" charset="2"/>
+              <a:buChar char="§"/>
+            </a:pPr>
+            <a:r>
+              <a:rPr lang="es-ES" sz="2400" dirty="0" err="1"/>
+              <a:t>Stage</a:t>
+            </a:r>
+            <a:endParaRPr lang="es-ES" sz="2400" dirty="0"/>
+          </a:p>
+          <a:p>
+            <a:pPr marL="1200150" lvl="2" indent="-285750">
+              <a:buFont typeface="Wingdings" panose="05000000000000000000" pitchFamily="2" charset="2"/>
+              <a:buChar char="q"/>
+            </a:pPr>
+            <a:r>
+              <a:rPr lang="es-ES" sz="2000" i="1" dirty="0" err="1"/>
+              <a:t>label</a:t>
+            </a:r>
+            <a:endParaRPr lang="es-ES" sz="2000" i="1" dirty="0"/>
+          </a:p>
+          <a:p>
+            <a:pPr marL="342900" indent="-342900">
+              <a:buFont typeface="Wingdings" panose="05000000000000000000" pitchFamily="2" charset="2"/>
+              <a:buChar char="Ø"/>
+            </a:pPr>
+            <a:r>
+              <a:rPr lang="es-ES" sz="2800" dirty="0" smtClean="0"/>
+              <a:t>Funcionamiento</a:t>
+            </a:r>
+            <a:endParaRPr lang="es-ES" sz="2400" dirty="0"/>
           </a:p>
         </p:txBody>
       </p:sp>
     </p:spTree>
     <p:extLst>
       <p:ext uri="{BB962C8B-B14F-4D97-AF65-F5344CB8AC3E}">
-        <p14:creationId xmlns:p14="http://schemas.microsoft.com/office/powerpoint/2010/main" val="3407817349"/>
+        <p14:creationId xmlns:p14="http://schemas.microsoft.com/office/powerpoint/2010/main" val="2250990106"/>
       </p:ext>
     </p:extLst>
   </p:cSld>
@@ -8228,7 +7854,7 @@
   <a:extraClrSchemeLst/>
   <a:extLst>
     <a:ext uri="{05A4C25C-085E-4340-85A3-A5531E510DB2}">
-      <thm15:themeFamily xmlns:thm15="http://schemas.microsoft.com/office/thememl/2012/main" name="Ion" id="{B8441ADB-2E43-4AF7-B97A-BD870242C6A8}" vid="{292E63A9-BB86-4E3D-B92A-7223C6510D2E}"/>
+      <thm15:themeFamily xmlns:thm15="http://schemas.microsoft.com/office/thememl/2012/main" xmlns="" name="Ion" id="{B8441ADB-2E43-4AF7-B97A-BD870242C6A8}" vid="{292E63A9-BB86-4E3D-B92A-7223C6510D2E}"/>
     </a:ext>
   </a:extLst>
 </a:theme>
